--- a/Documents/Presentation1.pptx
+++ b/Documents/Presentation1.pptx
@@ -7,18 +7,16 @@
   <p:sldIdLst>
     <p:sldId id="256" r:id="rId2"/>
     <p:sldId id="267" r:id="rId3"/>
-    <p:sldId id="257" r:id="rId4"/>
-    <p:sldId id="265" r:id="rId5"/>
-    <p:sldId id="266" r:id="rId6"/>
-    <p:sldId id="258" r:id="rId7"/>
-    <p:sldId id="263" r:id="rId8"/>
-    <p:sldId id="264" r:id="rId9"/>
-    <p:sldId id="259" r:id="rId10"/>
-    <p:sldId id="268" r:id="rId11"/>
-    <p:sldId id="269" r:id="rId12"/>
-    <p:sldId id="270" r:id="rId13"/>
-    <p:sldId id="260" r:id="rId14"/>
-    <p:sldId id="262" r:id="rId15"/>
+    <p:sldId id="265" r:id="rId4"/>
+    <p:sldId id="263" r:id="rId5"/>
+    <p:sldId id="264" r:id="rId6"/>
+    <p:sldId id="268" r:id="rId7"/>
+    <p:sldId id="269" r:id="rId8"/>
+    <p:sldId id="271" r:id="rId9"/>
+    <p:sldId id="272" r:id="rId10"/>
+    <p:sldId id="270" r:id="rId11"/>
+    <p:sldId id="260" r:id="rId12"/>
+    <p:sldId id="262" r:id="rId13"/>
   </p:sldIdLst>
   <p:sldSz cx="12192000" cy="6858000"/>
   <p:notesSz cx="6858000" cy="9144000"/>
@@ -265,7 +263,7 @@
           <a:p>
             <a:fld id="{846CE7D5-CF57-46EF-B807-FDD0502418D4}" type="datetimeFigureOut">
               <a:rPr lang="en-GB" smtClean="0"/>
-              <a:t>13/01/2025</a:t>
+              <a:t>14/01/2025</a:t>
             </a:fld>
             <a:endParaRPr lang="en-GB"/>
           </a:p>
@@ -435,7 +433,7 @@
           <a:p>
             <a:fld id="{846CE7D5-CF57-46EF-B807-FDD0502418D4}" type="datetimeFigureOut">
               <a:rPr lang="en-GB" smtClean="0"/>
-              <a:t>13/01/2025</a:t>
+              <a:t>14/01/2025</a:t>
             </a:fld>
             <a:endParaRPr lang="en-GB"/>
           </a:p>
@@ -615,7 +613,7 @@
           <a:p>
             <a:fld id="{846CE7D5-CF57-46EF-B807-FDD0502418D4}" type="datetimeFigureOut">
               <a:rPr lang="en-GB" smtClean="0"/>
-              <a:t>13/01/2025</a:t>
+              <a:t>14/01/2025</a:t>
             </a:fld>
             <a:endParaRPr lang="en-GB"/>
           </a:p>
@@ -785,7 +783,7 @@
           <a:p>
             <a:fld id="{846CE7D5-CF57-46EF-B807-FDD0502418D4}" type="datetimeFigureOut">
               <a:rPr lang="en-GB" smtClean="0"/>
-              <a:t>13/01/2025</a:t>
+              <a:t>14/01/2025</a:t>
             </a:fld>
             <a:endParaRPr lang="en-GB"/>
           </a:p>
@@ -1031,7 +1029,7 @@
           <a:p>
             <a:fld id="{846CE7D5-CF57-46EF-B807-FDD0502418D4}" type="datetimeFigureOut">
               <a:rPr lang="en-GB" smtClean="0"/>
-              <a:t>13/01/2025</a:t>
+              <a:t>14/01/2025</a:t>
             </a:fld>
             <a:endParaRPr lang="en-GB"/>
           </a:p>
@@ -1263,7 +1261,7 @@
           <a:p>
             <a:fld id="{846CE7D5-CF57-46EF-B807-FDD0502418D4}" type="datetimeFigureOut">
               <a:rPr lang="en-GB" smtClean="0"/>
-              <a:t>13/01/2025</a:t>
+              <a:t>14/01/2025</a:t>
             </a:fld>
             <a:endParaRPr lang="en-GB"/>
           </a:p>
@@ -1630,7 +1628,7 @@
           <a:p>
             <a:fld id="{846CE7D5-CF57-46EF-B807-FDD0502418D4}" type="datetimeFigureOut">
               <a:rPr lang="en-GB" smtClean="0"/>
-              <a:t>13/01/2025</a:t>
+              <a:t>14/01/2025</a:t>
             </a:fld>
             <a:endParaRPr lang="en-GB"/>
           </a:p>
@@ -1748,7 +1746,7 @@
           <a:p>
             <a:fld id="{846CE7D5-CF57-46EF-B807-FDD0502418D4}" type="datetimeFigureOut">
               <a:rPr lang="en-GB" smtClean="0"/>
-              <a:t>13/01/2025</a:t>
+              <a:t>14/01/2025</a:t>
             </a:fld>
             <a:endParaRPr lang="en-GB"/>
           </a:p>
@@ -1843,7 +1841,7 @@
           <a:p>
             <a:fld id="{846CE7D5-CF57-46EF-B807-FDD0502418D4}" type="datetimeFigureOut">
               <a:rPr lang="en-GB" smtClean="0"/>
-              <a:t>13/01/2025</a:t>
+              <a:t>14/01/2025</a:t>
             </a:fld>
             <a:endParaRPr lang="en-GB"/>
           </a:p>
@@ -2120,7 +2118,7 @@
           <a:p>
             <a:fld id="{846CE7D5-CF57-46EF-B807-FDD0502418D4}" type="datetimeFigureOut">
               <a:rPr lang="en-GB" smtClean="0"/>
-              <a:t>13/01/2025</a:t>
+              <a:t>14/01/2025</a:t>
             </a:fld>
             <a:endParaRPr lang="en-GB"/>
           </a:p>
@@ -2377,7 +2375,7 @@
           <a:p>
             <a:fld id="{846CE7D5-CF57-46EF-B807-FDD0502418D4}" type="datetimeFigureOut">
               <a:rPr lang="en-GB" smtClean="0"/>
-              <a:t>13/01/2025</a:t>
+              <a:t>14/01/2025</a:t>
             </a:fld>
             <a:endParaRPr lang="en-GB"/>
           </a:p>
@@ -2590,7 +2588,7 @@
           <a:p>
             <a:fld id="{846CE7D5-CF57-46EF-B807-FDD0502418D4}" type="datetimeFigureOut">
               <a:rPr lang="en-GB" smtClean="0"/>
-              <a:t>13/01/2025</a:t>
+              <a:t>14/01/2025</a:t>
             </a:fld>
             <a:endParaRPr lang="en-GB"/>
           </a:p>
@@ -3025,25 +3023,6 @@
           </a:p>
         </p:txBody>
       </p:sp>
-      <p:sp>
-        <p:nvSpPr>
-          <p:cNvPr id="3" name="Subtitle 2"/>
-          <p:cNvSpPr>
-            <a:spLocks noGrp="1"/>
-          </p:cNvSpPr>
-          <p:nvPr>
-            <p:ph type="subTitle" idx="1"/>
-          </p:nvPr>
-        </p:nvSpPr>
-        <p:spPr/>
-        <p:txBody>
-          <a:bodyPr/>
-          <a:lstStyle/>
-          <a:p>
-            <a:endParaRPr lang="en-GB"/>
-          </a:p>
-        </p:txBody>
-      </p:sp>
     </p:spTree>
     <p:extLst>
       <p:ext uri="{BB962C8B-B14F-4D97-AF65-F5344CB8AC3E}">
@@ -3084,10 +3063,10 @@
       </p:grpSpPr>
       <p:sp>
         <p:nvSpPr>
-          <p:cNvPr id="9" name="Rectangle 8">
+          <p:cNvPr id="9" name="Down Arrow 7">
             <a:extLst>
               <a:ext uri="{FF2B5EF4-FFF2-40B4-BE49-F238E27FC236}">
-                <a16:creationId xmlns:a16="http://schemas.microsoft.com/office/drawing/2014/main" id="{6753252F-4873-4F63-801D-CC719279A7D5}"/>
+                <a16:creationId xmlns:a16="http://schemas.microsoft.com/office/drawing/2014/main" id="{D4771268-CB57-404A-9271-370EB28F6090}"/>
               </a:ext>
               <a:ext uri="{C183D7F6-B498-43B3-948B-1728B52AA6E4}">
                 <adec:decorative xmlns:adec="http://schemas.microsoft.com/office/drawing/2017/decorative" val="1"/>
@@ -3106,17 +3085,20 @@
           </p:nvPr>
         </p:nvSpPr>
         <p:spPr>
-          <a:xfrm>
-            <a:off x="0" y="0"/>
-            <a:ext cx="12192000" cy="6858000"/>
+          <a:xfrm rot="16200000">
+            <a:off x="800100" y="1491343"/>
+            <a:ext cx="3333749" cy="3499103"/>
           </a:xfrm>
-          <a:prstGeom prst="rect">
-            <a:avLst/>
+          <a:prstGeom prst="downArrow">
+            <a:avLst>
+              <a:gd name="adj1" fmla="val 100000"/>
+              <a:gd name="adj2" fmla="val 15788"/>
+            </a:avLst>
           </a:prstGeom>
           <a:solidFill>
-            <a:srgbClr val="FFFFFF"/>
+            <a:srgbClr val="404040"/>
           </a:solidFill>
-          <a:ln>
+          <a:ln w="53975">
             <a:noFill/>
           </a:ln>
         </p:spPr>
@@ -3147,99 +3129,26 @@
       </p:sp>
       <p:sp>
         <p:nvSpPr>
-          <p:cNvPr id="11" name="Rectangle 10">
+          <p:cNvPr id="2" name="Title 1">
             <a:extLst>
               <a:ext uri="{FF2B5EF4-FFF2-40B4-BE49-F238E27FC236}">
-                <a16:creationId xmlns:a16="http://schemas.microsoft.com/office/drawing/2014/main" id="{047C8CCB-F95D-4249-92DD-651249D3535A}"/>
-              </a:ext>
-              <a:ext uri="{C183D7F6-B498-43B3-948B-1728B52AA6E4}">
-                <adec:decorative xmlns:adec="http://schemas.microsoft.com/office/drawing/2017/decorative" val="1"/>
+                <a16:creationId xmlns:a16="http://schemas.microsoft.com/office/drawing/2014/main" id="{AD44B412-352E-0BF3-7E18-5830F559AE69}"/>
               </a:ext>
             </a:extLst>
           </p:cNvPr>
           <p:cNvSpPr>
-            <a:spLocks noGrp="1" noRot="1" noChangeAspect="1" noMove="1" noResize="1" noEditPoints="1" noAdjustHandles="1" noChangeArrowheads="1" noChangeShapeType="1" noTextEdit="1"/>
-          </p:cNvSpPr>
-          <p:nvPr>
-            <p:extLst>
-              <p:ext uri="{386F3935-93C4-4BCD-93E2-E3B085C9AB24}">
-                <p16:designElem xmlns:p16="http://schemas.microsoft.com/office/powerpoint/2015/main" val="1"/>
-              </p:ext>
-            </p:extLst>
+            <a:spLocks noGrp="1"/>
+          </p:cNvSpPr>
+          <p:nvPr>
+            <p:ph type="title"/>
           </p:nvPr>
         </p:nvSpPr>
         <p:spPr>
           <a:xfrm>
-            <a:off x="0" y="0"/>
-            <a:ext cx="2013557" cy="6858000"/>
+            <a:off x="1028700" y="1967266"/>
+            <a:ext cx="2628900" cy="2547257"/>
           </a:xfrm>
-          <a:prstGeom prst="rect">
-            <a:avLst/>
-          </a:prstGeom>
-          <a:solidFill>
-            <a:srgbClr val="7F7F7F"/>
-          </a:solidFill>
-          <a:ln>
-            <a:noFill/>
-          </a:ln>
-        </p:spPr>
-        <p:style>
-          <a:lnRef idx="2">
-            <a:schemeClr val="accent1">
-              <a:shade val="50000"/>
-            </a:schemeClr>
-          </a:lnRef>
-          <a:fillRef idx="1">
-            <a:schemeClr val="accent1"/>
-          </a:fillRef>
-          <a:effectRef idx="0">
-            <a:schemeClr val="accent1"/>
-          </a:effectRef>
-          <a:fontRef idx="minor">
-            <a:schemeClr val="lt1"/>
-          </a:fontRef>
-        </p:style>
-        <p:txBody>
-          <a:bodyPr rtlCol="0" anchor="ctr"/>
-          <a:lstStyle/>
-          <a:p>
-            <a:pPr algn="ctr"/>
-            <a:endParaRPr lang="en-US"/>
-          </a:p>
-        </p:txBody>
-      </p:sp>
-      <p:sp>
-        <p:nvSpPr>
-          <p:cNvPr id="2" name="Title 1">
-            <a:extLst>
-              <a:ext uri="{FF2B5EF4-FFF2-40B4-BE49-F238E27FC236}">
-                <a16:creationId xmlns:a16="http://schemas.microsoft.com/office/drawing/2014/main" id="{00BC3CDB-C171-C76D-4285-72DDDBFA2260}"/>
-              </a:ext>
-            </a:extLst>
-          </p:cNvPr>
-          <p:cNvSpPr>
-            <a:spLocks noGrp="1"/>
-          </p:cNvSpPr>
-          <p:nvPr>
-            <p:ph type="title"/>
-          </p:nvPr>
-        </p:nvSpPr>
-        <p:spPr>
-          <a:xfrm>
-            <a:off x="640080" y="2074363"/>
-            <a:ext cx="2752354" cy="2709275"/>
-          </a:xfrm>
-          <a:prstGeom prst="ellipse">
-            <a:avLst/>
-          </a:prstGeom>
-          <a:solidFill>
-            <a:srgbClr val="262626"/>
-          </a:solidFill>
-          <a:ln w="174625" cmpd="thinThick">
-            <a:solidFill>
-              <a:srgbClr val="262626"/>
-            </a:solidFill>
-          </a:ln>
+          <a:noFill/>
         </p:spPr>
         <p:txBody>
           <a:bodyPr vert="horz" lIns="91440" tIns="45720" rIns="91440" bIns="45720" rtlCol="0" anchor="ctr">
@@ -3249,7 +3158,7 @@
           <a:p>
             <a:pPr algn="ctr"/>
             <a:r>
-              <a:rPr lang="en-US" sz="2600" kern="1200">
+              <a:rPr lang="en-US" sz="3600" kern="1200">
                 <a:solidFill>
                   <a:srgbClr val="FFFFFF"/>
                 </a:solidFill>
@@ -3257,17 +3166,17 @@
                 <a:ea typeface="+mj-ea"/>
                 <a:cs typeface="+mj-cs"/>
               </a:rPr>
-              <a:t>Use Case Diagram</a:t>
+              <a:t>Sequence Diagram</a:t>
             </a:r>
           </a:p>
         </p:txBody>
       </p:sp>
       <p:pic>
         <p:nvPicPr>
-          <p:cNvPr id="4" name="Content Placeholder 3" descr="A diagram of a company&#10;&#10;Description automatically generated">
+          <p:cNvPr id="4" name="Content Placeholder 3" descr="A diagram of a software process&#10;&#10;Description automatically generated">
             <a:extLst>
               <a:ext uri="{FF2B5EF4-FFF2-40B4-BE49-F238E27FC236}">
-                <a16:creationId xmlns:a16="http://schemas.microsoft.com/office/drawing/2014/main" id="{1D956C92-D8A1-262F-663E-B0417E02BFA6}"/>
+                <a16:creationId xmlns:a16="http://schemas.microsoft.com/office/drawing/2014/main" id="{9525F1ED-3EB3-4504-4C6E-575CF6132EEF}"/>
               </a:ext>
             </a:extLst>
           </p:cNvPr>
@@ -3286,8 +3195,8 @@
         </p:blipFill>
         <p:spPr>
           <a:xfrm>
-            <a:off x="3499209" y="960520"/>
-            <a:ext cx="8586016" cy="4936959"/>
+            <a:off x="4823078" y="643466"/>
+            <a:ext cx="6689175" cy="5568739"/>
           </a:xfrm>
           <a:prstGeom prst="rect">
             <a:avLst/>
@@ -3297,7 +3206,7 @@
     </p:spTree>
     <p:extLst>
       <p:ext uri="{BB962C8B-B14F-4D97-AF65-F5344CB8AC3E}">
-        <p14:creationId xmlns:p14="http://schemas.microsoft.com/office/powerpoint/2010/main" val="4005829471"/>
+        <p14:creationId xmlns:p14="http://schemas.microsoft.com/office/powerpoint/2010/main" val="4054269001"/>
       </p:ext>
     </p:extLst>
   </p:cSld>
@@ -3329,7 +3238,7 @@
           <p:cNvPr id="2" name="Title 1">
             <a:extLst>
               <a:ext uri="{FF2B5EF4-FFF2-40B4-BE49-F238E27FC236}">
-                <a16:creationId xmlns:a16="http://schemas.microsoft.com/office/drawing/2014/main" id="{982671D8-AE7F-9041-0771-E12ADD20B52D}"/>
+                <a16:creationId xmlns:a16="http://schemas.microsoft.com/office/drawing/2014/main" id="{6F99B138-0EDF-0988-A44A-13AD4D677F51}"/>
               </a:ext>
             </a:extLst>
           </p:cNvPr>
@@ -3346,41 +3255,19 @@
           <a:lstStyle/>
           <a:p>
             <a:r>
-              <a:rPr lang="en-GB" dirty="0"/>
-              <a:t>Class Diagram</a:t>
-            </a:r>
-          </a:p>
-        </p:txBody>
-      </p:sp>
-      <p:sp>
-        <p:nvSpPr>
-          <p:cNvPr id="3" name="Content Placeholder 2">
-            <a:extLst>
-              <a:ext uri="{FF2B5EF4-FFF2-40B4-BE49-F238E27FC236}">
-                <a16:creationId xmlns:a16="http://schemas.microsoft.com/office/drawing/2014/main" id="{DCEA69EA-7B2A-AAD0-A4FA-CA29D9E15D21}"/>
-              </a:ext>
-            </a:extLst>
-          </p:cNvPr>
-          <p:cNvSpPr>
-            <a:spLocks noGrp="1"/>
-          </p:cNvSpPr>
-          <p:nvPr>
-            <p:ph idx="1"/>
-          </p:nvPr>
-        </p:nvSpPr>
-        <p:spPr/>
-        <p:txBody>
-          <a:bodyPr/>
-          <a:lstStyle/>
-          <a:p>
-            <a:endParaRPr lang="en-GB"/>
+              <a:rPr lang="en-GB" sz="2600" b="1" dirty="0">
+                <a:latin typeface="Aptos"/>
+              </a:rPr>
+              <a:t>An Initial Prototype Running (Demonstration)</a:t>
+            </a:r>
+            <a:endParaRPr lang="en-US" dirty="0"/>
           </a:p>
         </p:txBody>
       </p:sp>
     </p:spTree>
     <p:extLst>
       <p:ext uri="{BB962C8B-B14F-4D97-AF65-F5344CB8AC3E}">
-        <p14:creationId xmlns:p14="http://schemas.microsoft.com/office/powerpoint/2010/main" val="3576895188"/>
+        <p14:creationId xmlns:p14="http://schemas.microsoft.com/office/powerpoint/2010/main" val="54691624"/>
       </p:ext>
     </p:extLst>
   </p:cSld>
@@ -3412,270 +3299,6 @@
           <p:cNvPr id="2" name="Title 1">
             <a:extLst>
               <a:ext uri="{FF2B5EF4-FFF2-40B4-BE49-F238E27FC236}">
-                <a16:creationId xmlns:a16="http://schemas.microsoft.com/office/drawing/2014/main" id="{AD44B412-352E-0BF3-7E18-5830F559AE69}"/>
-              </a:ext>
-            </a:extLst>
-          </p:cNvPr>
-          <p:cNvSpPr>
-            <a:spLocks noGrp="1"/>
-          </p:cNvSpPr>
-          <p:nvPr>
-            <p:ph type="title"/>
-          </p:nvPr>
-        </p:nvSpPr>
-        <p:spPr/>
-        <p:txBody>
-          <a:bodyPr/>
-          <a:lstStyle/>
-          <a:p>
-            <a:r>
-              <a:rPr lang="en-GB" dirty="0"/>
-              <a:t>Sequence Diagram</a:t>
-            </a:r>
-          </a:p>
-        </p:txBody>
-      </p:sp>
-      <p:sp>
-        <p:nvSpPr>
-          <p:cNvPr id="3" name="Content Placeholder 2">
-            <a:extLst>
-              <a:ext uri="{FF2B5EF4-FFF2-40B4-BE49-F238E27FC236}">
-                <a16:creationId xmlns:a16="http://schemas.microsoft.com/office/drawing/2014/main" id="{8E7B9F89-4F2A-18A0-49CC-63E4FADF1622}"/>
-              </a:ext>
-            </a:extLst>
-          </p:cNvPr>
-          <p:cNvSpPr>
-            <a:spLocks noGrp="1"/>
-          </p:cNvSpPr>
-          <p:nvPr>
-            <p:ph idx="1"/>
-          </p:nvPr>
-        </p:nvSpPr>
-        <p:spPr/>
-        <p:txBody>
-          <a:bodyPr/>
-          <a:lstStyle/>
-          <a:p>
-            <a:endParaRPr lang="en-GB"/>
-          </a:p>
-        </p:txBody>
-      </p:sp>
-    </p:spTree>
-    <p:extLst>
-      <p:ext uri="{BB962C8B-B14F-4D97-AF65-F5344CB8AC3E}">
-        <p14:creationId xmlns:p14="http://schemas.microsoft.com/office/powerpoint/2010/main" val="4054269001"/>
-      </p:ext>
-    </p:extLst>
-  </p:cSld>
-  <p:clrMapOvr>
-    <a:masterClrMapping/>
-  </p:clrMapOvr>
-</p:sld>
-</file>
-
-<file path=ppt/slides/slide13.xml><?xml version="1.0" encoding="utf-8"?>
-<p:sld xmlns:a="http://schemas.openxmlformats.org/drawingml/2006/main" xmlns:r="http://schemas.openxmlformats.org/officeDocument/2006/relationships" xmlns:p="http://schemas.openxmlformats.org/presentationml/2006/main">
-  <p:cSld>
-    <p:spTree>
-      <p:nvGrpSpPr>
-        <p:cNvPr id="1" name=""/>
-        <p:cNvGrpSpPr/>
-        <p:nvPr/>
-      </p:nvGrpSpPr>
-      <p:grpSpPr>
-        <a:xfrm>
-          <a:off x="0" y="0"/>
-          <a:ext cx="0" cy="0"/>
-          <a:chOff x="0" y="0"/>
-          <a:chExt cx="0" cy="0"/>
-        </a:xfrm>
-      </p:grpSpPr>
-      <p:sp>
-        <p:nvSpPr>
-          <p:cNvPr id="2" name="Title 1">
-            <a:extLst>
-              <a:ext uri="{FF2B5EF4-FFF2-40B4-BE49-F238E27FC236}">
-                <a16:creationId xmlns:a16="http://schemas.microsoft.com/office/drawing/2014/main" id="{6F99B138-0EDF-0988-A44A-13AD4D677F51}"/>
-              </a:ext>
-            </a:extLst>
-          </p:cNvPr>
-          <p:cNvSpPr>
-            <a:spLocks noGrp="1"/>
-          </p:cNvSpPr>
-          <p:nvPr>
-            <p:ph type="title"/>
-          </p:nvPr>
-        </p:nvSpPr>
-        <p:spPr/>
-        <p:txBody>
-          <a:bodyPr/>
-          <a:lstStyle/>
-          <a:p>
-            <a:r>
-              <a:rPr lang="en-GB" sz="2600" b="1" dirty="0">
-                <a:latin typeface="Aptos"/>
-              </a:rPr>
-              <a:t>An Initial Prototype Running (Demonstration)</a:t>
-            </a:r>
-            <a:endParaRPr lang="en-US" dirty="0"/>
-          </a:p>
-        </p:txBody>
-      </p:sp>
-      <p:sp>
-        <p:nvSpPr>
-          <p:cNvPr id="3" name="Content Placeholder 2">
-            <a:extLst>
-              <a:ext uri="{FF2B5EF4-FFF2-40B4-BE49-F238E27FC236}">
-                <a16:creationId xmlns:a16="http://schemas.microsoft.com/office/drawing/2014/main" id="{110CAC26-F4ED-7BA2-B576-E5A178CF8559}"/>
-              </a:ext>
-            </a:extLst>
-          </p:cNvPr>
-          <p:cNvSpPr>
-            <a:spLocks noGrp="1"/>
-          </p:cNvSpPr>
-          <p:nvPr>
-            <p:ph idx="1"/>
-          </p:nvPr>
-        </p:nvSpPr>
-        <p:spPr/>
-        <p:txBody>
-          <a:bodyPr vert="horz" lIns="91440" tIns="45720" rIns="91440" bIns="45720" rtlCol="0" anchor="t">
-            <a:normAutofit fontScale="92500"/>
-          </a:bodyPr>
-          <a:lstStyle/>
-          <a:p>
-            <a:pPr marL="0" indent="0">
-              <a:buNone/>
-            </a:pPr>
-            <a:endParaRPr lang="en-GB" b="1" dirty="0"/>
-          </a:p>
-          <a:p>
-            <a:r>
-              <a:rPr lang="en-GB" b="1" dirty="0">
-                <a:ea typeface="+mn-lt"/>
-                <a:cs typeface="+mn-lt"/>
-              </a:rPr>
-              <a:t>Purpose</a:t>
-            </a:r>
-            <a:r>
-              <a:rPr lang="en-GB" dirty="0">
-                <a:ea typeface="+mn-lt"/>
-                <a:cs typeface="+mn-lt"/>
-              </a:rPr>
-              <a:t>: Show the prototype of your SPA, if possible, to give viewers a sense of what the project looks like in action.</a:t>
-            </a:r>
-            <a:endParaRPr lang="en-GB" dirty="0"/>
-          </a:p>
-          <a:p>
-            <a:r>
-              <a:rPr lang="en-GB" b="1" dirty="0">
-                <a:ea typeface="+mn-lt"/>
-                <a:cs typeface="+mn-lt"/>
-              </a:rPr>
-              <a:t>Key Points</a:t>
-            </a:r>
-            <a:r>
-              <a:rPr lang="en-GB" dirty="0">
-                <a:ea typeface="+mn-lt"/>
-                <a:cs typeface="+mn-lt"/>
-              </a:rPr>
-              <a:t>:</a:t>
-            </a:r>
-            <a:endParaRPr lang="en-GB" dirty="0"/>
-          </a:p>
-          <a:p>
-            <a:pPr lvl="1"/>
-            <a:r>
-              <a:rPr lang="en-GB" b="1" dirty="0">
-                <a:ea typeface="+mn-lt"/>
-                <a:cs typeface="+mn-lt"/>
-              </a:rPr>
-              <a:t>Prototype demonstration</a:t>
-            </a:r>
-            <a:r>
-              <a:rPr lang="en-GB" dirty="0">
-                <a:ea typeface="+mn-lt"/>
-                <a:cs typeface="+mn-lt"/>
-              </a:rPr>
-              <a:t>: Showcase your homepage or any other functional aspect of your web application that you’ve implemented so far.</a:t>
-            </a:r>
-            <a:endParaRPr lang="en-GB" dirty="0"/>
-          </a:p>
-          <a:p>
-            <a:pPr lvl="1"/>
-            <a:r>
-              <a:rPr lang="en-GB" b="1" dirty="0">
-                <a:ea typeface="+mn-lt"/>
-                <a:cs typeface="+mn-lt"/>
-              </a:rPr>
-              <a:t>Tech stack</a:t>
-            </a:r>
-            <a:r>
-              <a:rPr lang="en-GB" dirty="0">
-                <a:ea typeface="+mn-lt"/>
-                <a:cs typeface="+mn-lt"/>
-              </a:rPr>
-              <a:t>: Briefly mention the technologies you're using (HTML, CSS, JavaScript, etc.).</a:t>
-            </a:r>
-            <a:endParaRPr lang="en-GB" dirty="0"/>
-          </a:p>
-          <a:p>
-            <a:r>
-              <a:rPr lang="en-GB" b="1" dirty="0">
-                <a:ea typeface="+mn-lt"/>
-                <a:cs typeface="+mn-lt"/>
-              </a:rPr>
-              <a:t>Tip</a:t>
-            </a:r>
-            <a:r>
-              <a:rPr lang="en-GB" dirty="0">
-                <a:ea typeface="+mn-lt"/>
-                <a:cs typeface="+mn-lt"/>
-              </a:rPr>
-              <a:t>: If your prototype is still in progress, show what you have completed (e.g., the layout, homepage structure, some basic functionality). If there are bugs, acknowledge them and mention your plans to fix them.</a:t>
-            </a:r>
-            <a:endParaRPr lang="en-GB" dirty="0"/>
-          </a:p>
-          <a:p>
-            <a:endParaRPr lang="en-GB" dirty="0"/>
-          </a:p>
-        </p:txBody>
-      </p:sp>
-    </p:spTree>
-    <p:extLst>
-      <p:ext uri="{BB962C8B-B14F-4D97-AF65-F5344CB8AC3E}">
-        <p14:creationId xmlns:p14="http://schemas.microsoft.com/office/powerpoint/2010/main" val="54691624"/>
-      </p:ext>
-    </p:extLst>
-  </p:cSld>
-  <p:clrMapOvr>
-    <a:masterClrMapping/>
-  </p:clrMapOvr>
-</p:sld>
-</file>
-
-<file path=ppt/slides/slide14.xml><?xml version="1.0" encoding="utf-8"?>
-<p:sld xmlns:a="http://schemas.openxmlformats.org/drawingml/2006/main" xmlns:r="http://schemas.openxmlformats.org/officeDocument/2006/relationships" xmlns:p="http://schemas.openxmlformats.org/presentationml/2006/main">
-  <p:cSld>
-    <p:spTree>
-      <p:nvGrpSpPr>
-        <p:cNvPr id="1" name=""/>
-        <p:cNvGrpSpPr/>
-        <p:nvPr/>
-      </p:nvGrpSpPr>
-      <p:grpSpPr>
-        <a:xfrm>
-          <a:off x="0" y="0"/>
-          <a:ext cx="0" cy="0"/>
-          <a:chOff x="0" y="0"/>
-          <a:chExt cx="0" cy="0"/>
-        </a:xfrm>
-      </p:grpSpPr>
-      <p:sp>
-        <p:nvSpPr>
-          <p:cNvPr id="2" name="Title 1">
-            <a:extLst>
-              <a:ext uri="{FF2B5EF4-FFF2-40B4-BE49-F238E27FC236}">
                 <a16:creationId xmlns:a16="http://schemas.microsoft.com/office/drawing/2014/main" id="{39739AC4-F6B4-02E0-404D-617ECDB1CC6B}"/>
               </a:ext>
             </a:extLst>
@@ -3721,7 +3344,7 @@
         <p:spPr/>
         <p:txBody>
           <a:bodyPr vert="horz" lIns="91440" tIns="45720" rIns="91440" bIns="45720" rtlCol="0" anchor="t">
-            <a:normAutofit fontScale="92500" lnSpcReduction="10000"/>
+            <a:normAutofit fontScale="92500" lnSpcReduction="20000"/>
           </a:bodyPr>
           <a:lstStyle/>
           <a:p>
@@ -3779,7 +3402,7 @@
                 <a:ea typeface="+mn-lt"/>
                 <a:cs typeface="+mn-lt"/>
               </a:rPr>
-              <a:t>Coursework Restriction (Not Being able to use technologies other then html, JavaScript and CSS as coursework restricts what we can use as we are only allowed to use technologies we did in lecture.</a:t>
+              <a:t>Coursework Restriction (Not Being able to use technologies other then html, JavaScript and CSS as coursework restricts what we can use as we are only allowed to use technologies we did in lecture. This is important because technologies we are not able to use might significantly reduce of development time.</a:t>
             </a:r>
             <a:endParaRPr lang="en-GB" dirty="0"/>
           </a:p>
@@ -3865,7 +3488,7 @@
         <p:spPr/>
         <p:txBody>
           <a:bodyPr vert="horz" lIns="91440" tIns="45720" rIns="91440" bIns="45720" rtlCol="0" anchor="t">
-            <a:normAutofit lnSpcReduction="10000"/>
+            <a:normAutofit/>
           </a:bodyPr>
           <a:lstStyle/>
           <a:p>
@@ -3894,13 +3517,13 @@
           </a:p>
           <a:p>
             <a:r>
-              <a:rPr lang="en-GB">
+              <a:rPr lang="en-GB" dirty="0">
                 <a:ea typeface="+mn-lt"/>
                 <a:cs typeface="+mn-lt"/>
               </a:rPr>
-              <a:t>The report will outline the Software Development Lifecycle (SDLC) and its application to the project. Additionally, I will present the design document, including the project vision, system architecture, and UML diagrams. The document also discusses the challenges faced, the planning process, and how I approached the development of the application and several others.</a:t>
-            </a:r>
-            <a:endParaRPr lang="en-GB"/>
+              <a:t>The report will outline the project vision and UML diagrams along with Prototype Demonstration. The presentation also discusses the challenges faced, the planning process, and how I approached the development of the application and several others.</a:t>
+            </a:r>
+            <a:endParaRPr lang="en-GB" dirty="0"/>
           </a:p>
           <a:p>
             <a:endParaRPr lang="en-GB" dirty="0"/>
@@ -3942,207 +3565,6 @@
           <p:cNvPr id="2" name="Title 1">
             <a:extLst>
               <a:ext uri="{FF2B5EF4-FFF2-40B4-BE49-F238E27FC236}">
-                <a16:creationId xmlns:a16="http://schemas.microsoft.com/office/drawing/2014/main" id="{303F43EE-28A1-6099-8355-E00AFFA33E13}"/>
-              </a:ext>
-            </a:extLst>
-          </p:cNvPr>
-          <p:cNvSpPr>
-            <a:spLocks noGrp="1"/>
-          </p:cNvSpPr>
-          <p:nvPr>
-            <p:ph type="title"/>
-          </p:nvPr>
-        </p:nvSpPr>
-        <p:spPr/>
-        <p:txBody>
-          <a:bodyPr>
-            <a:normAutofit/>
-          </a:bodyPr>
-          <a:lstStyle/>
-          <a:p>
-            <a:r>
-              <a:rPr lang="en-GB" sz="2600" b="1" dirty="0">
-                <a:latin typeface="Aptos"/>
-              </a:rPr>
-              <a:t>Project Vision and Background (Introduction)</a:t>
-            </a:r>
-            <a:endParaRPr lang="en-US" dirty="0"/>
-          </a:p>
-        </p:txBody>
-      </p:sp>
-      <p:sp>
-        <p:nvSpPr>
-          <p:cNvPr id="3" name="Content Placeholder 2">
-            <a:extLst>
-              <a:ext uri="{FF2B5EF4-FFF2-40B4-BE49-F238E27FC236}">
-                <a16:creationId xmlns:a16="http://schemas.microsoft.com/office/drawing/2014/main" id="{D57653D1-7E63-BFE0-912C-0EA5776778EF}"/>
-              </a:ext>
-            </a:extLst>
-          </p:cNvPr>
-          <p:cNvSpPr>
-            <a:spLocks noGrp="1"/>
-          </p:cNvSpPr>
-          <p:nvPr>
-            <p:ph idx="1"/>
-          </p:nvPr>
-        </p:nvSpPr>
-        <p:spPr/>
-        <p:txBody>
-          <a:bodyPr vert="horz" lIns="91440" tIns="45720" rIns="91440" bIns="45720" rtlCol="0" anchor="t">
-            <a:normAutofit fontScale="92500" lnSpcReduction="20000"/>
-          </a:bodyPr>
-          <a:lstStyle/>
-          <a:p>
-            <a:pPr marL="0" indent="0">
-              <a:buNone/>
-            </a:pPr>
-            <a:endParaRPr lang="en-GB" b="1" dirty="0"/>
-          </a:p>
-          <a:p>
-            <a:r>
-              <a:rPr lang="en-GB" b="1" dirty="0">
-                <a:ea typeface="+mn-lt"/>
-                <a:cs typeface="+mn-lt"/>
-              </a:rPr>
-              <a:t>Purpose</a:t>
-            </a:r>
-            <a:r>
-              <a:rPr lang="en-GB" dirty="0">
-                <a:ea typeface="+mn-lt"/>
-                <a:cs typeface="+mn-lt"/>
-              </a:rPr>
-              <a:t>: Clearly articulate the problem you're solving with your SPA project.</a:t>
-            </a:r>
-            <a:endParaRPr lang="en-GB" dirty="0"/>
-          </a:p>
-          <a:p>
-            <a:r>
-              <a:rPr lang="en-GB" b="1" dirty="0">
-                <a:ea typeface="+mn-lt"/>
-                <a:cs typeface="+mn-lt"/>
-              </a:rPr>
-              <a:t>Key Points</a:t>
-            </a:r>
-            <a:r>
-              <a:rPr lang="en-GB" dirty="0">
-                <a:ea typeface="+mn-lt"/>
-                <a:cs typeface="+mn-lt"/>
-              </a:rPr>
-              <a:t>:</a:t>
-            </a:r>
-            <a:endParaRPr lang="en-GB" dirty="0"/>
-          </a:p>
-          <a:p>
-            <a:pPr lvl="1"/>
-            <a:r>
-              <a:rPr lang="en-GB" b="1" dirty="0">
-                <a:ea typeface="+mn-lt"/>
-                <a:cs typeface="+mn-lt"/>
-              </a:rPr>
-              <a:t>What is the project?</a:t>
-            </a:r>
-            <a:r>
-              <a:rPr lang="en-GB" dirty="0">
-                <a:ea typeface="+mn-lt"/>
-                <a:cs typeface="+mn-lt"/>
-              </a:rPr>
-              <a:t> Describe what your single-page web application does.</a:t>
-            </a:r>
-            <a:endParaRPr lang="en-GB" dirty="0"/>
-          </a:p>
-          <a:p>
-            <a:pPr lvl="1"/>
-            <a:r>
-              <a:rPr lang="en-GB" b="1" dirty="0">
-                <a:ea typeface="+mn-lt"/>
-                <a:cs typeface="+mn-lt"/>
-              </a:rPr>
-              <a:t>Why is it important?</a:t>
-            </a:r>
-            <a:r>
-              <a:rPr lang="en-GB" dirty="0">
-                <a:ea typeface="+mn-lt"/>
-                <a:cs typeface="+mn-lt"/>
-              </a:rPr>
-              <a:t> Explain why your project matters, especially in terms of its relevance to your field of study. Discuss the problem or need it addresses. For example, if your SPA is a task management tool, explain how it can improve productivity or efficiency.</a:t>
-            </a:r>
-            <a:endParaRPr lang="en-GB" dirty="0"/>
-          </a:p>
-          <a:p>
-            <a:pPr lvl="1"/>
-            <a:r>
-              <a:rPr lang="en-GB" b="1" dirty="0">
-                <a:ea typeface="+mn-lt"/>
-                <a:cs typeface="+mn-lt"/>
-              </a:rPr>
-              <a:t>Target audience</a:t>
-            </a:r>
-            <a:r>
-              <a:rPr lang="en-GB" dirty="0">
-                <a:ea typeface="+mn-lt"/>
-                <a:cs typeface="+mn-lt"/>
-              </a:rPr>
-              <a:t>: Who is the end-user? Why would they find your solution valuable?</a:t>
-            </a:r>
-            <a:endParaRPr lang="en-GB" dirty="0"/>
-          </a:p>
-          <a:p>
-            <a:r>
-              <a:rPr lang="en-GB" b="1" dirty="0">
-                <a:ea typeface="+mn-lt"/>
-                <a:cs typeface="+mn-lt"/>
-              </a:rPr>
-              <a:t>Tip</a:t>
-            </a:r>
-            <a:r>
-              <a:rPr lang="en-GB" dirty="0">
-                <a:ea typeface="+mn-lt"/>
-                <a:cs typeface="+mn-lt"/>
-              </a:rPr>
-              <a:t>: Keep this section concise but informative. It’s the context for your entire project, so aim to explain it in a way that engages the viewer.</a:t>
-            </a:r>
-            <a:endParaRPr lang="en-GB" dirty="0"/>
-          </a:p>
-          <a:p>
-            <a:endParaRPr lang="en-GB" dirty="0"/>
-          </a:p>
-        </p:txBody>
-      </p:sp>
-    </p:spTree>
-    <p:extLst>
-      <p:ext uri="{BB962C8B-B14F-4D97-AF65-F5344CB8AC3E}">
-        <p14:creationId xmlns:p14="http://schemas.microsoft.com/office/powerpoint/2010/main" val="3643518822"/>
-      </p:ext>
-    </p:extLst>
-  </p:cSld>
-  <p:clrMapOvr>
-    <a:masterClrMapping/>
-  </p:clrMapOvr>
-</p:sld>
-</file>
-
-<file path=ppt/slides/slide4.xml><?xml version="1.0" encoding="utf-8"?>
-<p:sld xmlns:a="http://schemas.openxmlformats.org/drawingml/2006/main" xmlns:r="http://schemas.openxmlformats.org/officeDocument/2006/relationships" xmlns:p="http://schemas.openxmlformats.org/presentationml/2006/main">
-  <p:cSld>
-    <p:spTree>
-      <p:nvGrpSpPr>
-        <p:cNvPr id="1" name=""/>
-        <p:cNvGrpSpPr/>
-        <p:nvPr/>
-      </p:nvGrpSpPr>
-      <p:grpSpPr>
-        <a:xfrm>
-          <a:off x="0" y="0"/>
-          <a:ext cx="0" cy="0"/>
-          <a:chOff x="0" y="0"/>
-          <a:chExt cx="0" cy="0"/>
-        </a:xfrm>
-      </p:grpSpPr>
-      <p:sp>
-        <p:nvSpPr>
-          <p:cNvPr id="2" name="Title 1">
-            <a:extLst>
-              <a:ext uri="{FF2B5EF4-FFF2-40B4-BE49-F238E27FC236}">
                 <a16:creationId xmlns:a16="http://schemas.microsoft.com/office/drawing/2014/main" id="{9AF9A7C6-94B4-E4AD-B48F-E8AB313E929B}"/>
               </a:ext>
             </a:extLst>
@@ -4168,7 +3590,7 @@
               <a:rPr lang="en-GB" sz="1500" b="1" dirty="0">
                 <a:latin typeface="Aptos"/>
               </a:rPr>
-              <a:t>Project Vision</a:t>
+              <a:t>Project Vision and Project Background</a:t>
             </a:r>
             <a:endParaRPr lang="en-US" dirty="0"/>
           </a:p>
@@ -4198,208 +3620,106 @@
         </p:spPr>
         <p:txBody>
           <a:bodyPr vert="horz" lIns="91440" tIns="45720" rIns="91440" bIns="45720" rtlCol="0" anchor="t">
-            <a:normAutofit fontScale="62500" lnSpcReduction="20000"/>
+            <a:normAutofit fontScale="70000" lnSpcReduction="20000"/>
           </a:bodyPr>
           <a:lstStyle/>
           <a:p>
-            <a:pPr marL="0" indent="0">
-              <a:buNone/>
+            <a:r>
+              <a:rPr lang="en-US" dirty="0"/>
+              <a:t>The </a:t>
+            </a:r>
+            <a:r>
+              <a:rPr lang="en-US" dirty="0" err="1"/>
+              <a:t>PasswordManager</a:t>
+            </a:r>
+            <a:r>
+              <a:rPr lang="en-US" dirty="0"/>
+              <a:t> application addresses the challenges of managing and securing online accounts by offering a centralized, secure solution for password storage. With the increasing number of services requiring unique passwords, many users resort to weak or reused passwords, compromising security. This application provides encrypted storage, strong authentication, and a password generation tool, allowing users to securely store, manage, and retrieve their passwords.</a:t>
+            </a:r>
+          </a:p>
+          <a:p>
+            <a:r>
+              <a:rPr lang="en-US" dirty="0"/>
+              <a:t>Key features include:</a:t>
+            </a:r>
+          </a:p>
+          <a:p>
+            <a:pPr>
+              <a:buFont typeface="Arial" panose="020B0604020202020204" pitchFamily="34" charset="0"/>
+              <a:buChar char="•"/>
             </a:pPr>
-            <a:endParaRPr lang="en-GB" b="1" dirty="0"/>
-          </a:p>
-          <a:p>
-            <a:r>
-              <a:rPr lang="en-GB" b="1" dirty="0">
-                <a:ea typeface="+mn-lt"/>
-                <a:cs typeface="+mn-lt"/>
-              </a:rPr>
-              <a:t>Project Overview:</a:t>
-            </a:r>
-            <a:endParaRPr lang="en-GB" dirty="0"/>
-          </a:p>
-          <a:p>
-            <a:r>
-              <a:rPr lang="en-GB" dirty="0">
-                <a:ea typeface="+mn-lt"/>
-                <a:cs typeface="+mn-lt"/>
-              </a:rPr>
-              <a:t>The </a:t>
-            </a:r>
-            <a:r>
-              <a:rPr lang="en-GB" b="1" dirty="0" err="1">
-                <a:ea typeface="+mn-lt"/>
-                <a:cs typeface="+mn-lt"/>
-              </a:rPr>
+            <a:r>
+              <a:rPr lang="en-US" dirty="0"/>
+              <a:t>User authentication with registration and login.</a:t>
+            </a:r>
+          </a:p>
+          <a:p>
+            <a:pPr>
+              <a:buFont typeface="Arial" panose="020B0604020202020204" pitchFamily="34" charset="0"/>
+              <a:buChar char="•"/>
+            </a:pPr>
+            <a:r>
+              <a:rPr lang="en-US" dirty="0"/>
+              <a:t>Encrypted password storage.</a:t>
+            </a:r>
+          </a:p>
+          <a:p>
+            <a:pPr>
+              <a:buFont typeface="Arial" panose="020B0604020202020204" pitchFamily="34" charset="0"/>
+              <a:buChar char="•"/>
+            </a:pPr>
+            <a:r>
+              <a:rPr lang="en-US" dirty="0"/>
+              <a:t>Password generation for creating strong, random passwords.</a:t>
+            </a:r>
+          </a:p>
+          <a:p>
+            <a:pPr>
+              <a:buFont typeface="Arial" panose="020B0604020202020204" pitchFamily="34" charset="0"/>
+              <a:buChar char="•"/>
+            </a:pPr>
+            <a:r>
+              <a:rPr lang="en-US" dirty="0"/>
+              <a:t>A user-friendly interface for adding, viewing, editing, and deleting passwords.</a:t>
+            </a:r>
+          </a:p>
+          <a:p>
+            <a:pPr>
+              <a:buFont typeface="Arial" panose="020B0604020202020204" pitchFamily="34" charset="0"/>
+              <a:buChar char="•"/>
+            </a:pPr>
+            <a:r>
+              <a:rPr lang="en-US" dirty="0"/>
+              <a:t>Password categorization and search functionality for easy access.</a:t>
+            </a:r>
+          </a:p>
+          <a:p>
+            <a:pPr>
+              <a:buFont typeface="Arial" panose="020B0604020202020204" pitchFamily="34" charset="0"/>
+              <a:buChar char="•"/>
+            </a:pPr>
+            <a:r>
+              <a:rPr lang="en-US" dirty="0"/>
+              <a:t>Backup and recovery options to protect user data.</a:t>
+            </a:r>
+          </a:p>
+          <a:p>
+            <a:r>
+              <a:rPr lang="en-US" dirty="0"/>
+              <a:t>Targeting individuals seeking to enhance online security, the app aims to make password management both secure and convenient by ensuring compliance with industry-standard encryption. By addressing rising security threats and promoting good password hygiene, </a:t>
+            </a:r>
+            <a:r>
+              <a:rPr lang="en-US" dirty="0" err="1"/>
               <a:t>PasswordManager</a:t>
             </a:r>
             <a:r>
-              <a:rPr lang="en-GB" dirty="0">
-                <a:ea typeface="+mn-lt"/>
-                <a:cs typeface="+mn-lt"/>
-              </a:rPr>
-              <a:t> application is designed to help users store, manage, and retrieve passwords for various online accounts securely. The application aims to provide an easy-to-use interface for storing encrypted passwords and supports generating strong, random passwords.</a:t>
-            </a:r>
-            <a:endParaRPr lang="en-GB" dirty="0"/>
-          </a:p>
-          <a:p>
-            <a:r>
-              <a:rPr lang="en-GB" b="1" dirty="0">
-                <a:ea typeface="+mn-lt"/>
-                <a:cs typeface="+mn-lt"/>
-              </a:rPr>
-              <a:t>Target Users:</a:t>
+              <a:rPr lang="en-US" dirty="0"/>
+              <a:t> helps safeguard online identities and sensitive information. Feedback from staff and peers will refine the project to meet security and usability standards.</a:t>
             </a:r>
             <a:br>
-              <a:rPr lang="en-GB" b="1" dirty="0">
-                <a:ea typeface="+mn-lt"/>
-                <a:cs typeface="+mn-lt"/>
-              </a:rPr>
+              <a:rPr lang="en-US" dirty="0"/>
             </a:br>
-            <a:r>
-              <a:rPr lang="en-GB" b="1" dirty="0">
-                <a:ea typeface="+mn-lt"/>
-                <a:cs typeface="+mn-lt"/>
-              </a:rPr>
-              <a:t> • Individuals seeking a secure and easy way to store and manage multiple passwords.</a:t>
-            </a:r>
-            <a:br>
-              <a:rPr lang="en-GB" b="1" dirty="0">
-                <a:ea typeface="+mn-lt"/>
-                <a:cs typeface="+mn-lt"/>
-              </a:rPr>
-            </a:br>
-            <a:r>
-              <a:rPr lang="en-GB" b="1" dirty="0">
-                <a:ea typeface="+mn-lt"/>
-                <a:cs typeface="+mn-lt"/>
-              </a:rPr>
-              <a:t> • Users who want to enhance their online security by using strong, unique passwords for each account.</a:t>
-            </a:r>
-            <a:endParaRPr lang="en-GB" dirty="0"/>
-          </a:p>
-          <a:p>
-            <a:r>
-              <a:rPr lang="en-GB" b="1" dirty="0">
-                <a:ea typeface="+mn-lt"/>
-                <a:cs typeface="+mn-lt"/>
-              </a:rPr>
-              <a:t>Core Features:</a:t>
-            </a:r>
-            <a:br>
-              <a:rPr lang="en-GB" b="1" dirty="0">
-                <a:ea typeface="+mn-lt"/>
-                <a:cs typeface="+mn-lt"/>
-              </a:rPr>
-            </a:br>
-            <a:r>
-              <a:rPr lang="en-GB" b="1" dirty="0">
-                <a:ea typeface="+mn-lt"/>
-                <a:cs typeface="+mn-lt"/>
-              </a:rPr>
-              <a:t> • User authentication with registration and login functionality.</a:t>
-            </a:r>
-            <a:br>
-              <a:rPr lang="en-GB" b="1" dirty="0">
-                <a:ea typeface="+mn-lt"/>
-                <a:cs typeface="+mn-lt"/>
-              </a:rPr>
-            </a:br>
-            <a:r>
-              <a:rPr lang="en-GB" b="1" dirty="0">
-                <a:ea typeface="+mn-lt"/>
-                <a:cs typeface="+mn-lt"/>
-              </a:rPr>
-              <a:t> • Secure password storage using encryption.</a:t>
-            </a:r>
-            <a:br>
-              <a:rPr lang="en-GB" b="1" dirty="0">
-                <a:ea typeface="+mn-lt"/>
-                <a:cs typeface="+mn-lt"/>
-              </a:rPr>
-            </a:br>
-            <a:r>
-              <a:rPr lang="en-GB" b="1" dirty="0">
-                <a:ea typeface="+mn-lt"/>
-                <a:cs typeface="+mn-lt"/>
-              </a:rPr>
-              <a:t> • Password generation tool for creating strong, random passwords.</a:t>
-            </a:r>
-            <a:br>
-              <a:rPr lang="en-GB" b="1" dirty="0">
-                <a:ea typeface="+mn-lt"/>
-                <a:cs typeface="+mn-lt"/>
-              </a:rPr>
-            </a:br>
-            <a:r>
-              <a:rPr lang="en-GB" b="1" dirty="0">
-                <a:ea typeface="+mn-lt"/>
-                <a:cs typeface="+mn-lt"/>
-              </a:rPr>
-              <a:t> • User-friendly interface to easily add, view, edit, and delete passwords.</a:t>
-            </a:r>
-            <a:br>
-              <a:rPr lang="en-GB" b="1" dirty="0">
-                <a:ea typeface="+mn-lt"/>
-                <a:cs typeface="+mn-lt"/>
-              </a:rPr>
-            </a:br>
-            <a:r>
-              <a:rPr lang="en-GB" b="1" dirty="0">
-                <a:ea typeface="+mn-lt"/>
-                <a:cs typeface="+mn-lt"/>
-              </a:rPr>
-              <a:t> • Password categorization to organize accounts.</a:t>
-            </a:r>
-            <a:br>
-              <a:rPr lang="en-GB" b="1" dirty="0">
-                <a:ea typeface="+mn-lt"/>
-                <a:cs typeface="+mn-lt"/>
-              </a:rPr>
-            </a:br>
-            <a:r>
-              <a:rPr lang="en-GB" b="1" dirty="0">
-                <a:ea typeface="+mn-lt"/>
-                <a:cs typeface="+mn-lt"/>
-              </a:rPr>
-              <a:t> • Search functionality to quickly find stored passwords.</a:t>
-            </a:r>
-            <a:br>
-              <a:rPr lang="en-GB" b="1" dirty="0">
-                <a:ea typeface="+mn-lt"/>
-                <a:cs typeface="+mn-lt"/>
-              </a:rPr>
-            </a:br>
-            <a:r>
-              <a:rPr lang="en-GB" b="1" dirty="0">
-                <a:ea typeface="+mn-lt"/>
-                <a:cs typeface="+mn-lt"/>
-              </a:rPr>
-              <a:t> • Backup and recovery options for user data.</a:t>
-            </a:r>
-            <a:endParaRPr lang="en-GB" dirty="0"/>
-          </a:p>
-          <a:p>
-            <a:r>
-              <a:rPr lang="en-GB" b="1" dirty="0">
-                <a:ea typeface="+mn-lt"/>
-                <a:cs typeface="+mn-lt"/>
-              </a:rPr>
-              <a:t>Feedback:</a:t>
-            </a:r>
-            <a:br>
-              <a:rPr lang="en-GB" b="1" dirty="0">
-                <a:ea typeface="+mn-lt"/>
-                <a:cs typeface="+mn-lt"/>
-              </a:rPr>
-            </a:br>
-            <a:r>
-              <a:rPr lang="en-GB" b="1" dirty="0">
-                <a:ea typeface="+mn-lt"/>
-                <a:cs typeface="+mn-lt"/>
-              </a:rPr>
-              <a:t> The project vision will be refined and presented during meetings with module staff and possibly fellow students to ensure it meets both security and usability standards.</a:t>
-            </a:r>
-            <a:endParaRPr lang="en-GB" dirty="0"/>
+            <a:endParaRPr lang="en-US" dirty="0"/>
           </a:p>
           <a:p>
             <a:endParaRPr lang="en-GB" dirty="0"/>
@@ -4419,281 +3739,7 @@
 </p:sld>
 </file>
 
-<file path=ppt/slides/slide5.xml><?xml version="1.0" encoding="utf-8"?>
-<p:sld xmlns:a="http://schemas.openxmlformats.org/drawingml/2006/main" xmlns:r="http://schemas.openxmlformats.org/officeDocument/2006/relationships" xmlns:p="http://schemas.openxmlformats.org/presentationml/2006/main">
-  <p:cSld>
-    <p:spTree>
-      <p:nvGrpSpPr>
-        <p:cNvPr id="1" name=""/>
-        <p:cNvGrpSpPr/>
-        <p:nvPr/>
-      </p:nvGrpSpPr>
-      <p:grpSpPr>
-        <a:xfrm>
-          <a:off x="0" y="0"/>
-          <a:ext cx="0" cy="0"/>
-          <a:chOff x="0" y="0"/>
-          <a:chExt cx="0" cy="0"/>
-        </a:xfrm>
-      </p:grpSpPr>
-      <p:sp>
-        <p:nvSpPr>
-          <p:cNvPr id="2" name="Title 1">
-            <a:extLst>
-              <a:ext uri="{FF2B5EF4-FFF2-40B4-BE49-F238E27FC236}">
-                <a16:creationId xmlns:a16="http://schemas.microsoft.com/office/drawing/2014/main" id="{65EE314D-70F0-AF6B-9A73-0697C23FDD60}"/>
-              </a:ext>
-            </a:extLst>
-          </p:cNvPr>
-          <p:cNvSpPr>
-            <a:spLocks noGrp="1"/>
-          </p:cNvSpPr>
-          <p:nvPr>
-            <p:ph type="title"/>
-          </p:nvPr>
-        </p:nvSpPr>
-        <p:spPr/>
-        <p:txBody>
-          <a:bodyPr/>
-          <a:lstStyle/>
-          <a:p>
-            <a:r>
-              <a:rPr lang="en-GB" dirty="0"/>
-              <a:t>Project Background</a:t>
-            </a:r>
-          </a:p>
-        </p:txBody>
-      </p:sp>
-      <p:sp>
-        <p:nvSpPr>
-          <p:cNvPr id="3" name="Content Placeholder 2">
-            <a:extLst>
-              <a:ext uri="{FF2B5EF4-FFF2-40B4-BE49-F238E27FC236}">
-                <a16:creationId xmlns:a16="http://schemas.microsoft.com/office/drawing/2014/main" id="{48761378-343F-9533-2A87-F02EFF661783}"/>
-              </a:ext>
-            </a:extLst>
-          </p:cNvPr>
-          <p:cNvSpPr>
-            <a:spLocks noGrp="1"/>
-          </p:cNvSpPr>
-          <p:nvPr>
-            <p:ph idx="1"/>
-          </p:nvPr>
-        </p:nvSpPr>
-        <p:spPr/>
-        <p:txBody>
-          <a:bodyPr/>
-          <a:lstStyle/>
-          <a:p>
-            <a:endParaRPr lang="en-GB"/>
-          </a:p>
-        </p:txBody>
-      </p:sp>
-    </p:spTree>
-    <p:extLst>
-      <p:ext uri="{BB962C8B-B14F-4D97-AF65-F5344CB8AC3E}">
-        <p14:creationId xmlns:p14="http://schemas.microsoft.com/office/powerpoint/2010/main" val="1857633680"/>
-      </p:ext>
-    </p:extLst>
-  </p:cSld>
-  <p:clrMapOvr>
-    <a:masterClrMapping/>
-  </p:clrMapOvr>
-</p:sld>
-</file>
-
-<file path=ppt/slides/slide6.xml><?xml version="1.0" encoding="utf-8"?>
-<p:sld xmlns:a="http://schemas.openxmlformats.org/drawingml/2006/main" xmlns:r="http://schemas.openxmlformats.org/officeDocument/2006/relationships" xmlns:p="http://schemas.openxmlformats.org/presentationml/2006/main">
-  <p:cSld>
-    <p:spTree>
-      <p:nvGrpSpPr>
-        <p:cNvPr id="1" name=""/>
-        <p:cNvGrpSpPr/>
-        <p:nvPr/>
-      </p:nvGrpSpPr>
-      <p:grpSpPr>
-        <a:xfrm>
-          <a:off x="0" y="0"/>
-          <a:ext cx="0" cy="0"/>
-          <a:chOff x="0" y="0"/>
-          <a:chExt cx="0" cy="0"/>
-        </a:xfrm>
-      </p:grpSpPr>
-      <p:sp>
-        <p:nvSpPr>
-          <p:cNvPr id="2" name="Title 1">
-            <a:extLst>
-              <a:ext uri="{FF2B5EF4-FFF2-40B4-BE49-F238E27FC236}">
-                <a16:creationId xmlns:a16="http://schemas.microsoft.com/office/drawing/2014/main" id="{84A9003C-652A-7346-66A6-3C6A9FC97729}"/>
-              </a:ext>
-            </a:extLst>
-          </p:cNvPr>
-          <p:cNvSpPr>
-            <a:spLocks noGrp="1"/>
-          </p:cNvSpPr>
-          <p:nvPr>
-            <p:ph type="title"/>
-          </p:nvPr>
-        </p:nvSpPr>
-        <p:spPr/>
-        <p:txBody>
-          <a:bodyPr/>
-          <a:lstStyle/>
-          <a:p>
-            <a:pPr>
-              <a:spcBef>
-                <a:spcPts val="1000"/>
-              </a:spcBef>
-            </a:pPr>
-            <a:r>
-              <a:rPr lang="en-GB" sz="2600" b="1" dirty="0">
-                <a:latin typeface="Aptos"/>
-              </a:rPr>
-              <a:t>Your Project Plan and Sprints Carried Out to Date</a:t>
-            </a:r>
-            <a:endParaRPr lang="en-GB" sz="2600" dirty="0">
-              <a:latin typeface="Aptos"/>
-            </a:endParaRPr>
-          </a:p>
-          <a:p>
-            <a:endParaRPr lang="en-GB" dirty="0"/>
-          </a:p>
-        </p:txBody>
-      </p:sp>
-      <p:sp>
-        <p:nvSpPr>
-          <p:cNvPr id="3" name="Content Placeholder 2">
-            <a:extLst>
-              <a:ext uri="{FF2B5EF4-FFF2-40B4-BE49-F238E27FC236}">
-                <a16:creationId xmlns:a16="http://schemas.microsoft.com/office/drawing/2014/main" id="{AFF66393-5803-244A-0EB6-350FE4305237}"/>
-              </a:ext>
-            </a:extLst>
-          </p:cNvPr>
-          <p:cNvSpPr>
-            <a:spLocks noGrp="1"/>
-          </p:cNvSpPr>
-          <p:nvPr>
-            <p:ph idx="1"/>
-          </p:nvPr>
-        </p:nvSpPr>
-        <p:spPr/>
-        <p:txBody>
-          <a:bodyPr vert="horz" lIns="91440" tIns="45720" rIns="91440" bIns="45720" rtlCol="0" anchor="t">
-            <a:normAutofit fontScale="92500"/>
-          </a:bodyPr>
-          <a:lstStyle/>
-          <a:p>
-            <a:pPr marL="0" indent="0">
-              <a:buNone/>
-            </a:pPr>
-            <a:endParaRPr lang="en-GB" b="1" dirty="0"/>
-          </a:p>
-          <a:p>
-            <a:r>
-              <a:rPr lang="en-GB" b="1" dirty="0">
-                <a:ea typeface="+mn-lt"/>
-                <a:cs typeface="+mn-lt"/>
-              </a:rPr>
-              <a:t>Purpose</a:t>
-            </a:r>
-            <a:r>
-              <a:rPr lang="en-GB" dirty="0">
-                <a:ea typeface="+mn-lt"/>
-                <a:cs typeface="+mn-lt"/>
-              </a:rPr>
-              <a:t>: Show how you’ve planned your project development so far.</a:t>
-            </a:r>
-            <a:endParaRPr lang="en-GB"/>
-          </a:p>
-          <a:p>
-            <a:r>
-              <a:rPr lang="en-GB" b="1" dirty="0">
-                <a:ea typeface="+mn-lt"/>
-                <a:cs typeface="+mn-lt"/>
-              </a:rPr>
-              <a:t>Key Points</a:t>
-            </a:r>
-            <a:r>
-              <a:rPr lang="en-GB" dirty="0">
-                <a:ea typeface="+mn-lt"/>
-                <a:cs typeface="+mn-lt"/>
-              </a:rPr>
-              <a:t>:</a:t>
-            </a:r>
-            <a:endParaRPr lang="en-GB" dirty="0"/>
-          </a:p>
-          <a:p>
-            <a:pPr lvl="1"/>
-            <a:r>
-              <a:rPr lang="en-GB" b="1" dirty="0">
-                <a:ea typeface="+mn-lt"/>
-                <a:cs typeface="+mn-lt"/>
-              </a:rPr>
-              <a:t>Project Plan</a:t>
-            </a:r>
-            <a:r>
-              <a:rPr lang="en-GB" dirty="0">
-                <a:ea typeface="+mn-lt"/>
-                <a:cs typeface="+mn-lt"/>
-              </a:rPr>
-              <a:t>: Outline the phases of your project development. How did you plan your sprints?</a:t>
-            </a:r>
-            <a:endParaRPr lang="en-GB" dirty="0"/>
-          </a:p>
-          <a:p>
-            <a:pPr lvl="1"/>
-            <a:r>
-              <a:rPr lang="en-GB" b="1" dirty="0">
-                <a:ea typeface="+mn-lt"/>
-                <a:cs typeface="+mn-lt"/>
-              </a:rPr>
-              <a:t>Sprints</a:t>
-            </a:r>
-            <a:r>
-              <a:rPr lang="en-GB" dirty="0">
-                <a:ea typeface="+mn-lt"/>
-                <a:cs typeface="+mn-lt"/>
-              </a:rPr>
-              <a:t>: Briefly summarize the work you’ve completed in the initial sprints. What tasks were planned, and what have you accomplished? Be specific about deliverables you’ve completed in each sprint (e.g., project design, homepage, first feature implementation).</a:t>
-            </a:r>
-            <a:endParaRPr lang="en-GB" dirty="0"/>
-          </a:p>
-          <a:p>
-            <a:r>
-              <a:rPr lang="en-GB" b="1" dirty="0">
-                <a:ea typeface="+mn-lt"/>
-                <a:cs typeface="+mn-lt"/>
-              </a:rPr>
-              <a:t>Tip</a:t>
-            </a:r>
-            <a:r>
-              <a:rPr lang="en-GB" dirty="0">
-                <a:ea typeface="+mn-lt"/>
-                <a:cs typeface="+mn-lt"/>
-              </a:rPr>
-              <a:t>: Mention any adjustments made to your plan based on the feedback you received or challenges you encountered.</a:t>
-            </a:r>
-            <a:endParaRPr lang="en-GB" dirty="0"/>
-          </a:p>
-          <a:p>
-            <a:endParaRPr lang="en-GB" dirty="0"/>
-          </a:p>
-        </p:txBody>
-      </p:sp>
-    </p:spTree>
-    <p:extLst>
-      <p:ext uri="{BB962C8B-B14F-4D97-AF65-F5344CB8AC3E}">
-        <p14:creationId xmlns:p14="http://schemas.microsoft.com/office/powerpoint/2010/main" val="893558818"/>
-      </p:ext>
-    </p:extLst>
-  </p:cSld>
-  <p:clrMapOvr>
-    <a:masterClrMapping/>
-  </p:clrMapOvr>
-</p:sld>
-</file>
-
-<file path=ppt/slides/slide7.xml><?xml version="1.0" encoding="utf-8"?>
+<file path=ppt/slides/slide4.xml><?xml version="1.0" encoding="utf-8"?>
 <p:sld xmlns:a="http://schemas.openxmlformats.org/drawingml/2006/main" xmlns:r="http://schemas.openxmlformats.org/officeDocument/2006/relationships" xmlns:p="http://schemas.openxmlformats.org/presentationml/2006/main">
   <p:cSld>
     <p:bg>
@@ -6469,7 +5515,7 @@
 </p:sld>
 </file>
 
-<file path=ppt/slides/slide8.xml><?xml version="1.0" encoding="utf-8"?>
+<file path=ppt/slides/slide5.xml><?xml version="1.0" encoding="utf-8"?>
 <p:sld xmlns:a="http://schemas.openxmlformats.org/drawingml/2006/main" xmlns:r="http://schemas.openxmlformats.org/officeDocument/2006/relationships" xmlns:p="http://schemas.openxmlformats.org/presentationml/2006/main">
   <p:cSld>
     <p:bg>
@@ -7269,9 +6315,1964 @@
 </p:sld>
 </file>
 
+<file path=ppt/slides/slide6.xml><?xml version="1.0" encoding="utf-8"?>
+<p:sld xmlns:a="http://schemas.openxmlformats.org/drawingml/2006/main" xmlns:r="http://schemas.openxmlformats.org/officeDocument/2006/relationships" xmlns:p="http://schemas.openxmlformats.org/presentationml/2006/main">
+  <p:cSld>
+    <p:bg>
+      <p:bgPr>
+        <a:solidFill>
+          <a:schemeClr val="bg1"/>
+        </a:solidFill>
+        <a:effectLst/>
+      </p:bgPr>
+    </p:bg>
+    <p:spTree>
+      <p:nvGrpSpPr>
+        <p:cNvPr id="1" name=""/>
+        <p:cNvGrpSpPr/>
+        <p:nvPr/>
+      </p:nvGrpSpPr>
+      <p:grpSpPr>
+        <a:xfrm>
+          <a:off x="0" y="0"/>
+          <a:ext cx="0" cy="0"/>
+          <a:chOff x="0" y="0"/>
+          <a:chExt cx="0" cy="0"/>
+        </a:xfrm>
+      </p:grpSpPr>
+      <p:sp useBgFill="1">
+        <p:nvSpPr>
+          <p:cNvPr id="18" name="Rectangle 17">
+            <a:extLst>
+              <a:ext uri="{FF2B5EF4-FFF2-40B4-BE49-F238E27FC236}">
+                <a16:creationId xmlns:a16="http://schemas.microsoft.com/office/drawing/2014/main" id="{34D41D7D-6813-4420-BFEE-C9ECD14EEA35}"/>
+              </a:ext>
+              <a:ext uri="{C183D7F6-B498-43B3-948B-1728B52AA6E4}">
+                <adec:decorative xmlns:adec="http://schemas.microsoft.com/office/drawing/2017/decorative" val="1"/>
+              </a:ext>
+            </a:extLst>
+          </p:cNvPr>
+          <p:cNvSpPr>
+            <a:spLocks noGrp="1" noRot="1" noChangeAspect="1" noMove="1" noResize="1" noEditPoints="1" noAdjustHandles="1" noChangeArrowheads="1" noChangeShapeType="1" noTextEdit="1"/>
+          </p:cNvSpPr>
+          <p:nvPr>
+            <p:extLst>
+              <p:ext uri="{386F3935-93C4-4BCD-93E2-E3B085C9AB24}">
+                <p16:designElem xmlns:p16="http://schemas.microsoft.com/office/powerpoint/2015/main" val="1"/>
+              </p:ext>
+            </p:extLst>
+          </p:nvPr>
+        </p:nvSpPr>
+        <p:spPr>
+          <a:xfrm>
+            <a:off x="0" y="0"/>
+            <a:ext cx="12192000" cy="6858000"/>
+          </a:xfrm>
+          <a:prstGeom prst="rect">
+            <a:avLst/>
+          </a:prstGeom>
+          <a:ln w="12700" cap="flat" cmpd="sng" algn="ctr">
+            <a:noFill/>
+            <a:prstDash val="solid"/>
+            <a:miter lim="800000"/>
+          </a:ln>
+          <a:effectLst/>
+          <a:extLst>
+            <a:ext uri="{91240B29-F687-4F45-9708-019B960494DF}">
+              <a14:hiddenLine xmlns:a14="http://schemas.microsoft.com/office/drawing/2010/main" w="12700" cap="flat" cmpd="sng" algn="ctr">
+                <a:solidFill>
+                  <a:schemeClr val="accent1">
+                    <a:shade val="50000"/>
+                  </a:schemeClr>
+                </a:solidFill>
+                <a:prstDash val="solid"/>
+                <a:miter lim="800000"/>
+              </a14:hiddenLine>
+            </a:ext>
+          </a:extLst>
+        </p:spPr>
+        <p:style>
+          <a:lnRef idx="2">
+            <a:schemeClr val="accent1">
+              <a:shade val="50000"/>
+            </a:schemeClr>
+          </a:lnRef>
+          <a:fillRef idx="1">
+            <a:schemeClr val="accent1"/>
+          </a:fillRef>
+          <a:effectRef idx="0">
+            <a:schemeClr val="accent1"/>
+          </a:effectRef>
+          <a:fontRef idx="minor">
+            <a:schemeClr val="lt1"/>
+          </a:fontRef>
+        </p:style>
+        <p:txBody>
+          <a:bodyPr rtlCol="0" anchor="ctr"/>
+          <a:lstStyle/>
+          <a:p>
+            <a:pPr algn="ctr"/>
+            <a:endParaRPr lang="en-US"/>
+          </a:p>
+        </p:txBody>
+      </p:sp>
+      <p:grpSp>
+        <p:nvGrpSpPr>
+          <p:cNvPr id="20" name="Group 19">
+            <a:extLst>
+              <a:ext uri="{FF2B5EF4-FFF2-40B4-BE49-F238E27FC236}">
+                <a16:creationId xmlns:a16="http://schemas.microsoft.com/office/drawing/2014/main" id="{D2A542E6-1924-4FE2-89D1-3CB19468C1F6}"/>
+              </a:ext>
+              <a:ext uri="{C183D7F6-B498-43B3-948B-1728B52AA6E4}">
+                <adec:decorative xmlns:adec="http://schemas.microsoft.com/office/drawing/2017/decorative" val="1"/>
+              </a:ext>
+            </a:extLst>
+          </p:cNvPr>
+          <p:cNvGrpSpPr>
+            <a:grpSpLocks noGrp="1" noUngrp="1" noRot="1" noChangeAspect="1" noMove="1" noResize="1"/>
+          </p:cNvGrpSpPr>
+          <p:nvPr>
+            <p:extLst>
+              <p:ext uri="{386F3935-93C4-4BCD-93E2-E3B085C9AB24}">
+                <p16:designElem xmlns:p16="http://schemas.microsoft.com/office/powerpoint/2015/main" val="1"/>
+              </p:ext>
+            </p:extLst>
+          </p:nvPr>
+        </p:nvGrpSpPr>
+        <p:grpSpPr>
+          <a:xfrm>
+            <a:off x="0" y="0"/>
+            <a:ext cx="12192000" cy="6858000"/>
+            <a:chOff x="0" y="0"/>
+            <a:chExt cx="12192000" cy="6858000"/>
+          </a:xfrm>
+        </p:grpSpPr>
+        <p:sp>
+          <p:nvSpPr>
+            <p:cNvPr id="21" name="Rectangle 20">
+              <a:extLst>
+                <a:ext uri="{FF2B5EF4-FFF2-40B4-BE49-F238E27FC236}">
+                  <a16:creationId xmlns:a16="http://schemas.microsoft.com/office/drawing/2014/main" id="{1F353183-2147-472B-AD7D-4A085FF6A42E}"/>
+                </a:ext>
+                <a:ext uri="{C183D7F6-B498-43B3-948B-1728B52AA6E4}">
+                  <adec:decorative xmlns:adec="http://schemas.microsoft.com/office/drawing/2017/decorative" val="1"/>
+                </a:ext>
+              </a:extLst>
+            </p:cNvPr>
+            <p:cNvSpPr/>
+            <p:nvPr>
+              <p:extLst>
+                <p:ext uri="{386F3935-93C4-4BCD-93E2-E3B085C9AB24}">
+                  <p16:designElem xmlns:p16="http://schemas.microsoft.com/office/powerpoint/2015/main" val="1"/>
+                </p:ext>
+              </p:extLst>
+            </p:nvPr>
+          </p:nvSpPr>
+          <p:spPr>
+            <a:xfrm>
+              <a:off x="0" y="0"/>
+              <a:ext cx="12192000" cy="6858000"/>
+            </a:xfrm>
+            <a:prstGeom prst="rect">
+              <a:avLst/>
+            </a:prstGeom>
+            <a:solidFill>
+              <a:schemeClr val="bg1">
+                <a:lumMod val="95000"/>
+              </a:schemeClr>
+            </a:solidFill>
+            <a:ln>
+              <a:noFill/>
+            </a:ln>
+          </p:spPr>
+          <p:style>
+            <a:lnRef idx="2">
+              <a:schemeClr val="accent1">
+                <a:shade val="50000"/>
+              </a:schemeClr>
+            </a:lnRef>
+            <a:fillRef idx="1">
+              <a:schemeClr val="accent1"/>
+            </a:fillRef>
+            <a:effectRef idx="0">
+              <a:schemeClr val="accent1"/>
+            </a:effectRef>
+            <a:fontRef idx="minor">
+              <a:schemeClr val="lt1"/>
+            </a:fontRef>
+          </p:style>
+          <p:txBody>
+            <a:bodyPr rtlCol="0" anchor="ctr"/>
+            <a:lstStyle/>
+            <a:p>
+              <a:pPr algn="ctr"/>
+              <a:endParaRPr lang="en-US"/>
+            </a:p>
+          </p:txBody>
+        </p:sp>
+        <p:sp>
+          <p:nvSpPr>
+            <p:cNvPr id="22" name="Rectangle 21">
+              <a:extLst>
+                <a:ext uri="{FF2B5EF4-FFF2-40B4-BE49-F238E27FC236}">
+                  <a16:creationId xmlns:a16="http://schemas.microsoft.com/office/drawing/2014/main" id="{FAAA42C8-A082-4DFD-A5F3-FC9EF825B1DB}"/>
+                </a:ext>
+                <a:ext uri="{C183D7F6-B498-43B3-948B-1728B52AA6E4}">
+                  <adec:decorative xmlns:adec="http://schemas.microsoft.com/office/drawing/2017/decorative" val="1"/>
+                </a:ext>
+              </a:extLst>
+            </p:cNvPr>
+            <p:cNvSpPr/>
+            <p:nvPr>
+              <p:extLst>
+                <p:ext uri="{386F3935-93C4-4BCD-93E2-E3B085C9AB24}">
+                  <p16:designElem xmlns:p16="http://schemas.microsoft.com/office/powerpoint/2015/main" val="1"/>
+                </p:ext>
+              </p:extLst>
+            </p:nvPr>
+          </p:nvSpPr>
+          <p:spPr>
+            <a:xfrm>
+              <a:off x="0" y="0"/>
+              <a:ext cx="12192000" cy="6858000"/>
+            </a:xfrm>
+            <a:prstGeom prst="rect">
+              <a:avLst/>
+            </a:prstGeom>
+            <a:solidFill>
+              <a:schemeClr val="accent4">
+                <a:lumMod val="75000"/>
+                <a:alpha val="7000"/>
+              </a:schemeClr>
+            </a:solidFill>
+            <a:ln>
+              <a:noFill/>
+            </a:ln>
+          </p:spPr>
+          <p:style>
+            <a:lnRef idx="2">
+              <a:schemeClr val="accent1">
+                <a:shade val="50000"/>
+              </a:schemeClr>
+            </a:lnRef>
+            <a:fillRef idx="1">
+              <a:schemeClr val="accent1"/>
+            </a:fillRef>
+            <a:effectRef idx="0">
+              <a:schemeClr val="accent1"/>
+            </a:effectRef>
+            <a:fontRef idx="minor">
+              <a:schemeClr val="lt1"/>
+            </a:fontRef>
+          </p:style>
+          <p:txBody>
+            <a:bodyPr rtlCol="0" anchor="ctr"/>
+            <a:lstStyle/>
+            <a:p>
+              <a:pPr algn="ctr"/>
+              <a:endParaRPr lang="en-US"/>
+            </a:p>
+          </p:txBody>
+        </p:sp>
+      </p:grpSp>
+      <p:sp>
+        <p:nvSpPr>
+          <p:cNvPr id="2" name="Title 1">
+            <a:extLst>
+              <a:ext uri="{FF2B5EF4-FFF2-40B4-BE49-F238E27FC236}">
+                <a16:creationId xmlns:a16="http://schemas.microsoft.com/office/drawing/2014/main" id="{00BC3CDB-C171-C76D-4285-72DDDBFA2260}"/>
+              </a:ext>
+            </a:extLst>
+          </p:cNvPr>
+          <p:cNvSpPr>
+            <a:spLocks noGrp="1"/>
+          </p:cNvSpPr>
+          <p:nvPr>
+            <p:ph type="title"/>
+          </p:nvPr>
+        </p:nvSpPr>
+        <p:spPr>
+          <a:xfrm>
+            <a:off x="549277" y="469448"/>
+            <a:ext cx="7202485" cy="1087890"/>
+          </a:xfrm>
+          <a:prstGeom prst="ellipse">
+            <a:avLst/>
+          </a:prstGeom>
+        </p:spPr>
+        <p:txBody>
+          <a:bodyPr vert="horz" lIns="91440" tIns="45720" rIns="91440" bIns="45720" rtlCol="0" anchor="t">
+            <a:normAutofit/>
+          </a:bodyPr>
+          <a:lstStyle/>
+          <a:p>
+            <a:r>
+              <a:rPr lang="en-US" sz="2200" kern="1200">
+                <a:latin typeface="+mj-lt"/>
+                <a:ea typeface="+mj-ea"/>
+                <a:cs typeface="+mj-cs"/>
+              </a:rPr>
+              <a:t>Use Case Diagram</a:t>
+            </a:r>
+          </a:p>
+        </p:txBody>
+      </p:sp>
+      <p:pic>
+        <p:nvPicPr>
+          <p:cNvPr id="4" name="Content Placeholder 3" descr="A diagram of a company&#10;&#10;Description automatically generated">
+            <a:extLst>
+              <a:ext uri="{FF2B5EF4-FFF2-40B4-BE49-F238E27FC236}">
+                <a16:creationId xmlns:a16="http://schemas.microsoft.com/office/drawing/2014/main" id="{1D956C92-D8A1-262F-663E-B0417E02BFA6}"/>
+              </a:ext>
+            </a:extLst>
+          </p:cNvPr>
+          <p:cNvPicPr>
+            <a:picLocks noChangeAspect="1"/>
+          </p:cNvPicPr>
+          <p:nvPr/>
+        </p:nvPicPr>
+        <p:blipFill>
+          <a:blip r:embed="rId2"/>
+          <a:stretch>
+            <a:fillRect/>
+          </a:stretch>
+        </p:blipFill>
+        <p:spPr>
+          <a:xfrm>
+            <a:off x="549277" y="1280550"/>
+            <a:ext cx="8883481" cy="5108002"/>
+          </a:xfrm>
+          <a:prstGeom prst="rect">
+            <a:avLst/>
+          </a:prstGeom>
+          <a:effectLst>
+            <a:outerShdw blurRad="508000" dist="101600" dir="5400000" algn="tl" rotWithShape="0">
+              <a:prstClr val="black">
+                <a:alpha val="10000"/>
+              </a:prstClr>
+            </a:outerShdw>
+          </a:effectLst>
+        </p:spPr>
+      </p:pic>
+    </p:spTree>
+    <p:extLst>
+      <p:ext uri="{BB962C8B-B14F-4D97-AF65-F5344CB8AC3E}">
+        <p14:creationId xmlns:p14="http://schemas.microsoft.com/office/powerpoint/2010/main" val="4005829471"/>
+      </p:ext>
+    </p:extLst>
+  </p:cSld>
+  <p:clrMapOvr>
+    <a:masterClrMapping/>
+  </p:clrMapOvr>
+</p:sld>
+</file>
+
+<file path=ppt/slides/slide7.xml><?xml version="1.0" encoding="utf-8"?>
+<p:sld xmlns:a="http://schemas.openxmlformats.org/drawingml/2006/main" xmlns:r="http://schemas.openxmlformats.org/officeDocument/2006/relationships" xmlns:p="http://schemas.openxmlformats.org/presentationml/2006/main">
+  <p:cSld>
+    <p:bg>
+      <p:bgPr>
+        <a:solidFill>
+          <a:schemeClr val="bg1"/>
+        </a:solidFill>
+        <a:effectLst/>
+      </p:bgPr>
+    </p:bg>
+    <p:spTree>
+      <p:nvGrpSpPr>
+        <p:cNvPr id="1" name=""/>
+        <p:cNvGrpSpPr/>
+        <p:nvPr/>
+      </p:nvGrpSpPr>
+      <p:grpSpPr>
+        <a:xfrm>
+          <a:off x="0" y="0"/>
+          <a:ext cx="0" cy="0"/>
+          <a:chOff x="0" y="0"/>
+          <a:chExt cx="0" cy="0"/>
+        </a:xfrm>
+      </p:grpSpPr>
+      <p:sp useBgFill="1">
+        <p:nvSpPr>
+          <p:cNvPr id="30" name="Rectangle 29">
+            <a:extLst>
+              <a:ext uri="{FF2B5EF4-FFF2-40B4-BE49-F238E27FC236}">
+                <a16:creationId xmlns:a16="http://schemas.microsoft.com/office/drawing/2014/main" id="{12609869-9E80-471B-A487-A53288E0E791}"/>
+              </a:ext>
+              <a:ext uri="{C183D7F6-B498-43B3-948B-1728B52AA6E4}">
+                <adec:decorative xmlns:adec="http://schemas.microsoft.com/office/drawing/2017/decorative" val="1"/>
+              </a:ext>
+            </a:extLst>
+          </p:cNvPr>
+          <p:cNvSpPr>
+            <a:spLocks noGrp="1" noRot="1" noChangeAspect="1" noMove="1" noResize="1" noEditPoints="1" noAdjustHandles="1" noChangeArrowheads="1" noChangeShapeType="1" noTextEdit="1"/>
+          </p:cNvSpPr>
+          <p:nvPr>
+            <p:extLst>
+              <p:ext uri="{386F3935-93C4-4BCD-93E2-E3B085C9AB24}">
+                <p16:designElem xmlns:p16="http://schemas.microsoft.com/office/powerpoint/2015/main" val="1"/>
+              </p:ext>
+            </p:extLst>
+          </p:nvPr>
+        </p:nvSpPr>
+        <p:spPr>
+          <a:xfrm>
+            <a:off x="0" y="0"/>
+            <a:ext cx="12192000" cy="6858000"/>
+          </a:xfrm>
+          <a:prstGeom prst="rect">
+            <a:avLst/>
+          </a:prstGeom>
+          <a:ln w="12700" cap="flat" cmpd="sng" algn="ctr">
+            <a:noFill/>
+            <a:prstDash val="solid"/>
+            <a:miter lim="800000"/>
+          </a:ln>
+          <a:effectLst/>
+          <a:extLst>
+            <a:ext uri="{91240B29-F687-4F45-9708-019B960494DF}">
+              <a14:hiddenLine xmlns:a14="http://schemas.microsoft.com/office/drawing/2010/main" w="12700" cap="flat" cmpd="sng" algn="ctr">
+                <a:solidFill>
+                  <a:schemeClr val="accent1">
+                    <a:shade val="50000"/>
+                  </a:schemeClr>
+                </a:solidFill>
+                <a:prstDash val="solid"/>
+                <a:miter lim="800000"/>
+              </a14:hiddenLine>
+            </a:ext>
+          </a:extLst>
+        </p:spPr>
+        <p:style>
+          <a:lnRef idx="2">
+            <a:schemeClr val="accent1">
+              <a:shade val="50000"/>
+            </a:schemeClr>
+          </a:lnRef>
+          <a:fillRef idx="1">
+            <a:schemeClr val="accent1"/>
+          </a:fillRef>
+          <a:effectRef idx="0">
+            <a:schemeClr val="accent1"/>
+          </a:effectRef>
+          <a:fontRef idx="minor">
+            <a:schemeClr val="lt1"/>
+          </a:fontRef>
+        </p:style>
+        <p:txBody>
+          <a:bodyPr rtlCol="0" anchor="ctr"/>
+          <a:lstStyle/>
+          <a:p>
+            <a:pPr algn="ctr"/>
+            <a:endParaRPr lang="en-US"/>
+          </a:p>
+        </p:txBody>
+      </p:sp>
+      <p:sp>
+        <p:nvSpPr>
+          <p:cNvPr id="2" name="Title 1">
+            <a:extLst>
+              <a:ext uri="{FF2B5EF4-FFF2-40B4-BE49-F238E27FC236}">
+                <a16:creationId xmlns:a16="http://schemas.microsoft.com/office/drawing/2014/main" id="{982671D8-AE7F-9041-0771-E12ADD20B52D}"/>
+              </a:ext>
+            </a:extLst>
+          </p:cNvPr>
+          <p:cNvSpPr>
+            <a:spLocks noGrp="1"/>
+          </p:cNvSpPr>
+          <p:nvPr>
+            <p:ph type="title"/>
+          </p:nvPr>
+        </p:nvSpPr>
+        <p:spPr>
+          <a:xfrm>
+            <a:off x="1136397" y="-1070301"/>
+            <a:ext cx="5323715" cy="1642970"/>
+          </a:xfrm>
+        </p:spPr>
+        <p:txBody>
+          <a:bodyPr vert="horz" lIns="91440" tIns="45720" rIns="91440" bIns="45720" rtlCol="0" anchor="b">
+            <a:normAutofit/>
+          </a:bodyPr>
+          <a:lstStyle/>
+          <a:p>
+            <a:r>
+              <a:rPr lang="en-US" sz="4000" kern="1200" dirty="0">
+                <a:latin typeface="+mj-lt"/>
+                <a:ea typeface="+mj-ea"/>
+                <a:cs typeface="+mj-cs"/>
+              </a:rPr>
+              <a:t>Class Diagram</a:t>
+            </a:r>
+          </a:p>
+        </p:txBody>
+      </p:sp>
+      <p:sp>
+        <p:nvSpPr>
+          <p:cNvPr id="13" name="Content Placeholder 12">
+            <a:extLst>
+              <a:ext uri="{FF2B5EF4-FFF2-40B4-BE49-F238E27FC236}">
+                <a16:creationId xmlns:a16="http://schemas.microsoft.com/office/drawing/2014/main" id="{AD79AA4F-1E0E-847E-5785-4E41817B7A63}"/>
+              </a:ext>
+            </a:extLst>
+          </p:cNvPr>
+          <p:cNvSpPr>
+            <a:spLocks noGrp="1"/>
+          </p:cNvSpPr>
+          <p:nvPr>
+            <p:ph idx="1"/>
+          </p:nvPr>
+        </p:nvSpPr>
+        <p:spPr>
+          <a:xfrm>
+            <a:off x="1136397" y="755514"/>
+            <a:ext cx="5315189" cy="3535083"/>
+          </a:xfrm>
+        </p:spPr>
+        <p:txBody>
+          <a:bodyPr anchor="t">
+            <a:noAutofit/>
+          </a:bodyPr>
+          <a:lstStyle/>
+          <a:p>
+            <a:pPr marL="0" indent="0">
+              <a:spcAft>
+                <a:spcPts val="800"/>
+              </a:spcAft>
+              <a:buNone/>
+            </a:pPr>
+            <a:r>
+              <a:rPr lang="en-GB" sz="1200" b="1" kern="100" dirty="0">
+                <a:effectLst/>
+                <a:latin typeface="Aptos" panose="020B0004020202020204" pitchFamily="34" charset="0"/>
+                <a:ea typeface="Aptos" panose="020B0004020202020204" pitchFamily="34" charset="0"/>
+                <a:cs typeface="Times New Roman" panose="02020603050405020304" pitchFamily="18" charset="0"/>
+              </a:rPr>
+              <a:t>User → </a:t>
+            </a:r>
+            <a:r>
+              <a:rPr lang="en-GB" sz="1200" b="1" kern="100" dirty="0" err="1">
+                <a:effectLst/>
+                <a:latin typeface="Aptos" panose="020B0004020202020204" pitchFamily="34" charset="0"/>
+                <a:ea typeface="Aptos" panose="020B0004020202020204" pitchFamily="34" charset="0"/>
+                <a:cs typeface="Times New Roman" panose="02020603050405020304" pitchFamily="18" charset="0"/>
+              </a:rPr>
+              <a:t>PasswordEntry</a:t>
+            </a:r>
+            <a:r>
+              <a:rPr lang="en-GB" sz="1200" kern="100" dirty="0">
+                <a:effectLst/>
+                <a:latin typeface="Aptos" panose="020B0004020202020204" pitchFamily="34" charset="0"/>
+                <a:ea typeface="Aptos" panose="020B0004020202020204" pitchFamily="34" charset="0"/>
+                <a:cs typeface="Times New Roman" panose="02020603050405020304" pitchFamily="18" charset="0"/>
+              </a:rPr>
+              <a:t>: A </a:t>
+            </a:r>
+            <a:r>
+              <a:rPr lang="en-GB" sz="1200" b="1" kern="100" dirty="0">
+                <a:effectLst/>
+                <a:latin typeface="Aptos" panose="020B0004020202020204" pitchFamily="34" charset="0"/>
+                <a:ea typeface="Aptos" panose="020B0004020202020204" pitchFamily="34" charset="0"/>
+                <a:cs typeface="Times New Roman" panose="02020603050405020304" pitchFamily="18" charset="0"/>
+              </a:rPr>
+              <a:t>User</a:t>
+            </a:r>
+            <a:r>
+              <a:rPr lang="en-GB" sz="1200" kern="100" dirty="0">
+                <a:effectLst/>
+                <a:latin typeface="Aptos" panose="020B0004020202020204" pitchFamily="34" charset="0"/>
+                <a:ea typeface="Aptos" panose="020B0004020202020204" pitchFamily="34" charset="0"/>
+                <a:cs typeface="Times New Roman" panose="02020603050405020304" pitchFamily="18" charset="0"/>
+              </a:rPr>
+              <a:t> can have multiple </a:t>
+            </a:r>
+            <a:r>
+              <a:rPr lang="en-GB" sz="1200" b="1" kern="100" dirty="0" err="1">
+                <a:effectLst/>
+                <a:latin typeface="Aptos" panose="020B0004020202020204" pitchFamily="34" charset="0"/>
+                <a:ea typeface="Aptos" panose="020B0004020202020204" pitchFamily="34" charset="0"/>
+                <a:cs typeface="Times New Roman" panose="02020603050405020304" pitchFamily="18" charset="0"/>
+              </a:rPr>
+              <a:t>PasswordEntry</a:t>
+            </a:r>
+            <a:r>
+              <a:rPr lang="en-GB" sz="1200" kern="100" dirty="0">
+                <a:effectLst/>
+                <a:latin typeface="Aptos" panose="020B0004020202020204" pitchFamily="34" charset="0"/>
+                <a:ea typeface="Aptos" panose="020B0004020202020204" pitchFamily="34" charset="0"/>
+                <a:cs typeface="Times New Roman" panose="02020603050405020304" pitchFamily="18" charset="0"/>
+              </a:rPr>
+              <a:t> objects. This relationship is represented as a one-to-many relationship (one user, many password entries).</a:t>
+            </a:r>
+          </a:p>
+          <a:p>
+            <a:pPr marL="0" indent="0">
+              <a:spcAft>
+                <a:spcPts val="800"/>
+              </a:spcAft>
+              <a:buNone/>
+            </a:pPr>
+            <a:r>
+              <a:rPr lang="en-GB" sz="1200" b="1" kern="100" dirty="0" err="1">
+                <a:effectLst/>
+                <a:latin typeface="Aptos" panose="020B0004020202020204" pitchFamily="34" charset="0"/>
+                <a:ea typeface="Aptos" panose="020B0004020202020204" pitchFamily="34" charset="0"/>
+                <a:cs typeface="Times New Roman" panose="02020603050405020304" pitchFamily="18" charset="0"/>
+              </a:rPr>
+              <a:t>UserManager</a:t>
+            </a:r>
+            <a:r>
+              <a:rPr lang="en-GB" sz="1200" kern="100" dirty="0">
+                <a:effectLst/>
+                <a:latin typeface="Aptos" panose="020B0004020202020204" pitchFamily="34" charset="0"/>
+                <a:ea typeface="Aptos" panose="020B0004020202020204" pitchFamily="34" charset="0"/>
+                <a:cs typeface="Times New Roman" panose="02020603050405020304" pitchFamily="18" charset="0"/>
+              </a:rPr>
+              <a:t>: </a:t>
+            </a:r>
+            <a:r>
+              <a:rPr lang="en-GB" sz="1200" b="1" kern="100" dirty="0" err="1">
+                <a:effectLst/>
+                <a:latin typeface="Aptos" panose="020B0004020202020204" pitchFamily="34" charset="0"/>
+                <a:ea typeface="Aptos" panose="020B0004020202020204" pitchFamily="34" charset="0"/>
+                <a:cs typeface="Times New Roman" panose="02020603050405020304" pitchFamily="18" charset="0"/>
+              </a:rPr>
+              <a:t>UserManager</a:t>
+            </a:r>
+            <a:r>
+              <a:rPr lang="en-GB" sz="1200" kern="100" dirty="0">
+                <a:effectLst/>
+                <a:latin typeface="Aptos" panose="020B0004020202020204" pitchFamily="34" charset="0"/>
+                <a:ea typeface="Aptos" panose="020B0004020202020204" pitchFamily="34" charset="0"/>
+                <a:cs typeface="Times New Roman" panose="02020603050405020304" pitchFamily="18" charset="0"/>
+              </a:rPr>
+              <a:t> is responsible for handling </a:t>
+            </a:r>
+            <a:r>
+              <a:rPr lang="en-GB" sz="1200" b="1" kern="100" dirty="0">
+                <a:effectLst/>
+                <a:latin typeface="Aptos" panose="020B0004020202020204" pitchFamily="34" charset="0"/>
+                <a:ea typeface="Aptos" panose="020B0004020202020204" pitchFamily="34" charset="0"/>
+                <a:cs typeface="Times New Roman" panose="02020603050405020304" pitchFamily="18" charset="0"/>
+              </a:rPr>
+              <a:t>User</a:t>
+            </a:r>
+            <a:r>
+              <a:rPr lang="en-GB" sz="1200" kern="100" dirty="0">
+                <a:effectLst/>
+                <a:latin typeface="Aptos" panose="020B0004020202020204" pitchFamily="34" charset="0"/>
+                <a:ea typeface="Aptos" panose="020B0004020202020204" pitchFamily="34" charset="0"/>
+                <a:cs typeface="Times New Roman" panose="02020603050405020304" pitchFamily="18" charset="0"/>
+              </a:rPr>
+              <a:t> objects (e.g., creating, authenticating, and logging out users). It interacts with the </a:t>
+            </a:r>
+            <a:r>
+              <a:rPr lang="en-GB" sz="1200" b="1" kern="100" dirty="0">
+                <a:effectLst/>
+                <a:latin typeface="Aptos" panose="020B0004020202020204" pitchFamily="34" charset="0"/>
+                <a:ea typeface="Aptos" panose="020B0004020202020204" pitchFamily="34" charset="0"/>
+                <a:cs typeface="Times New Roman" panose="02020603050405020304" pitchFamily="18" charset="0"/>
+              </a:rPr>
+              <a:t>User</a:t>
+            </a:r>
+            <a:r>
+              <a:rPr lang="en-GB" sz="1200" kern="100" dirty="0">
+                <a:effectLst/>
+                <a:latin typeface="Aptos" panose="020B0004020202020204" pitchFamily="34" charset="0"/>
+                <a:ea typeface="Aptos" panose="020B0004020202020204" pitchFamily="34" charset="0"/>
+                <a:cs typeface="Times New Roman" panose="02020603050405020304" pitchFamily="18" charset="0"/>
+              </a:rPr>
+              <a:t> class to authenticate and register users.</a:t>
+            </a:r>
+          </a:p>
+          <a:p>
+            <a:pPr marL="0" indent="0">
+              <a:spcAft>
+                <a:spcPts val="800"/>
+              </a:spcAft>
+              <a:buNone/>
+            </a:pPr>
+            <a:r>
+              <a:rPr lang="en-GB" sz="1200" b="1" kern="100" dirty="0" err="1">
+                <a:effectLst/>
+                <a:latin typeface="Aptos" panose="020B0004020202020204" pitchFamily="34" charset="0"/>
+                <a:ea typeface="Aptos" panose="020B0004020202020204" pitchFamily="34" charset="0"/>
+                <a:cs typeface="Times New Roman" panose="02020603050405020304" pitchFamily="18" charset="0"/>
+              </a:rPr>
+              <a:t>PasswordManager</a:t>
+            </a:r>
+            <a:r>
+              <a:rPr lang="en-GB" sz="1200" kern="100" dirty="0">
+                <a:effectLst/>
+                <a:latin typeface="Aptos" panose="020B0004020202020204" pitchFamily="34" charset="0"/>
+                <a:ea typeface="Aptos" panose="020B0004020202020204" pitchFamily="34" charset="0"/>
+                <a:cs typeface="Times New Roman" panose="02020603050405020304" pitchFamily="18" charset="0"/>
+              </a:rPr>
+              <a:t>: </a:t>
+            </a:r>
+            <a:r>
+              <a:rPr lang="en-GB" sz="1200" b="1" kern="100" dirty="0" err="1">
+                <a:effectLst/>
+                <a:latin typeface="Aptos" panose="020B0004020202020204" pitchFamily="34" charset="0"/>
+                <a:ea typeface="Aptos" panose="020B0004020202020204" pitchFamily="34" charset="0"/>
+                <a:cs typeface="Times New Roman" panose="02020603050405020304" pitchFamily="18" charset="0"/>
+              </a:rPr>
+              <a:t>PasswordManager</a:t>
+            </a:r>
+            <a:r>
+              <a:rPr lang="en-GB" sz="1200" kern="100" dirty="0">
+                <a:effectLst/>
+                <a:latin typeface="Aptos" panose="020B0004020202020204" pitchFamily="34" charset="0"/>
+                <a:ea typeface="Aptos" panose="020B0004020202020204" pitchFamily="34" charset="0"/>
+                <a:cs typeface="Times New Roman" panose="02020603050405020304" pitchFamily="18" charset="0"/>
+              </a:rPr>
+              <a:t> is responsible for managing the password entries for each user. It stores multiple </a:t>
+            </a:r>
+            <a:r>
+              <a:rPr lang="en-GB" sz="1200" b="1" kern="100" dirty="0" err="1">
+                <a:effectLst/>
+                <a:latin typeface="Aptos" panose="020B0004020202020204" pitchFamily="34" charset="0"/>
+                <a:ea typeface="Aptos" panose="020B0004020202020204" pitchFamily="34" charset="0"/>
+                <a:cs typeface="Times New Roman" panose="02020603050405020304" pitchFamily="18" charset="0"/>
+              </a:rPr>
+              <a:t>PasswordEntry</a:t>
+            </a:r>
+            <a:r>
+              <a:rPr lang="en-GB" sz="1200" kern="100" dirty="0">
+                <a:effectLst/>
+                <a:latin typeface="Aptos" panose="020B0004020202020204" pitchFamily="34" charset="0"/>
+                <a:ea typeface="Aptos" panose="020B0004020202020204" pitchFamily="34" charset="0"/>
+                <a:cs typeface="Times New Roman" panose="02020603050405020304" pitchFamily="18" charset="0"/>
+              </a:rPr>
+              <a:t> objects and provides functions like adding, removing, and retrieving entries.</a:t>
+            </a:r>
+          </a:p>
+          <a:p>
+            <a:pPr marL="0" indent="0">
+              <a:spcAft>
+                <a:spcPts val="800"/>
+              </a:spcAft>
+              <a:buNone/>
+            </a:pPr>
+            <a:r>
+              <a:rPr lang="en-GB" sz="1200" b="1" kern="100" dirty="0" err="1">
+                <a:effectLst/>
+                <a:latin typeface="Aptos" panose="020B0004020202020204" pitchFamily="34" charset="0"/>
+                <a:ea typeface="Aptos" panose="020B0004020202020204" pitchFamily="34" charset="0"/>
+                <a:cs typeface="Times New Roman" panose="02020603050405020304" pitchFamily="18" charset="0"/>
+              </a:rPr>
+              <a:t>PasswordManager</a:t>
+            </a:r>
+            <a:r>
+              <a:rPr lang="en-GB" sz="1200" kern="100" dirty="0">
+                <a:effectLst/>
+                <a:latin typeface="Aptos" panose="020B0004020202020204" pitchFamily="34" charset="0"/>
+                <a:ea typeface="Aptos" panose="020B0004020202020204" pitchFamily="34" charset="0"/>
+                <a:cs typeface="Times New Roman" panose="02020603050405020304" pitchFamily="18" charset="0"/>
+              </a:rPr>
+              <a:t> interacts with </a:t>
+            </a:r>
+            <a:r>
+              <a:rPr lang="en-GB" sz="1200" b="1" kern="100" dirty="0" err="1">
+                <a:effectLst/>
+                <a:latin typeface="Aptos" panose="020B0004020202020204" pitchFamily="34" charset="0"/>
+                <a:ea typeface="Aptos" panose="020B0004020202020204" pitchFamily="34" charset="0"/>
+                <a:cs typeface="Times New Roman" panose="02020603050405020304" pitchFamily="18" charset="0"/>
+              </a:rPr>
+              <a:t>UserManager</a:t>
+            </a:r>
+            <a:r>
+              <a:rPr lang="en-GB" sz="1200" kern="100" dirty="0">
+                <a:effectLst/>
+                <a:latin typeface="Aptos" panose="020B0004020202020204" pitchFamily="34" charset="0"/>
+                <a:ea typeface="Aptos" panose="020B0004020202020204" pitchFamily="34" charset="0"/>
+                <a:cs typeface="Times New Roman" panose="02020603050405020304" pitchFamily="18" charset="0"/>
+              </a:rPr>
+              <a:t> to ensure that password entries are associated with the correct user.</a:t>
+            </a:r>
+          </a:p>
+          <a:p>
+            <a:pPr marL="0" indent="0">
+              <a:spcAft>
+                <a:spcPts val="800"/>
+              </a:spcAft>
+              <a:buNone/>
+            </a:pPr>
+            <a:r>
+              <a:rPr lang="en-GB" sz="1200" b="1" kern="100" dirty="0" err="1">
+                <a:effectLst/>
+                <a:latin typeface="Aptos" panose="020B0004020202020204" pitchFamily="34" charset="0"/>
+                <a:ea typeface="Aptos" panose="020B0004020202020204" pitchFamily="34" charset="0"/>
+                <a:cs typeface="Times New Roman" panose="02020603050405020304" pitchFamily="18" charset="0"/>
+              </a:rPr>
+              <a:t>EncryptionService</a:t>
+            </a:r>
+            <a:r>
+              <a:rPr lang="en-GB" sz="1200" kern="100" dirty="0">
+                <a:effectLst/>
+                <a:latin typeface="Aptos" panose="020B0004020202020204" pitchFamily="34" charset="0"/>
+                <a:ea typeface="Aptos" panose="020B0004020202020204" pitchFamily="34" charset="0"/>
+                <a:cs typeface="Times New Roman" panose="02020603050405020304" pitchFamily="18" charset="0"/>
+              </a:rPr>
+              <a:t>: </a:t>
+            </a:r>
+            <a:r>
+              <a:rPr lang="en-GB" sz="1200" b="1" kern="100" dirty="0" err="1">
+                <a:effectLst/>
+                <a:latin typeface="Aptos" panose="020B0004020202020204" pitchFamily="34" charset="0"/>
+                <a:ea typeface="Aptos" panose="020B0004020202020204" pitchFamily="34" charset="0"/>
+                <a:cs typeface="Times New Roman" panose="02020603050405020304" pitchFamily="18" charset="0"/>
+              </a:rPr>
+              <a:t>EncryptionService</a:t>
+            </a:r>
+            <a:r>
+              <a:rPr lang="en-GB" sz="1200" kern="100" dirty="0">
+                <a:effectLst/>
+                <a:latin typeface="Aptos" panose="020B0004020202020204" pitchFamily="34" charset="0"/>
+                <a:ea typeface="Aptos" panose="020B0004020202020204" pitchFamily="34" charset="0"/>
+                <a:cs typeface="Times New Roman" panose="02020603050405020304" pitchFamily="18" charset="0"/>
+              </a:rPr>
+              <a:t> provides security for the password entries by encrypting the password before storing it and decrypting it when retrieving it. The </a:t>
+            </a:r>
+            <a:r>
+              <a:rPr lang="en-GB" sz="1200" b="1" kern="100" dirty="0" err="1">
+                <a:effectLst/>
+                <a:latin typeface="Aptos" panose="020B0004020202020204" pitchFamily="34" charset="0"/>
+                <a:ea typeface="Aptos" panose="020B0004020202020204" pitchFamily="34" charset="0"/>
+                <a:cs typeface="Times New Roman" panose="02020603050405020304" pitchFamily="18" charset="0"/>
+              </a:rPr>
+              <a:t>PasswordEntry</a:t>
+            </a:r>
+            <a:r>
+              <a:rPr lang="en-GB" sz="1200" kern="100" dirty="0">
+                <a:effectLst/>
+                <a:latin typeface="Aptos" panose="020B0004020202020204" pitchFamily="34" charset="0"/>
+                <a:ea typeface="Aptos" panose="020B0004020202020204" pitchFamily="34" charset="0"/>
+                <a:cs typeface="Times New Roman" panose="02020603050405020304" pitchFamily="18" charset="0"/>
+              </a:rPr>
+              <a:t> objects call the </a:t>
+            </a:r>
+            <a:r>
+              <a:rPr lang="en-GB" sz="1200" b="1" kern="100" dirty="0" err="1">
+                <a:effectLst/>
+                <a:latin typeface="Aptos" panose="020B0004020202020204" pitchFamily="34" charset="0"/>
+                <a:ea typeface="Aptos" panose="020B0004020202020204" pitchFamily="34" charset="0"/>
+                <a:cs typeface="Times New Roman" panose="02020603050405020304" pitchFamily="18" charset="0"/>
+              </a:rPr>
+              <a:t>EncryptionService</a:t>
+            </a:r>
+            <a:r>
+              <a:rPr lang="en-GB" sz="1200" kern="100" dirty="0">
+                <a:effectLst/>
+                <a:latin typeface="Aptos" panose="020B0004020202020204" pitchFamily="34" charset="0"/>
+                <a:ea typeface="Aptos" panose="020B0004020202020204" pitchFamily="34" charset="0"/>
+                <a:cs typeface="Times New Roman" panose="02020603050405020304" pitchFamily="18" charset="0"/>
+              </a:rPr>
+              <a:t> when a password is added or retrieved, ensuring passwords are never stored in plaintext.</a:t>
+            </a:r>
+          </a:p>
+          <a:p>
+            <a:pPr marL="0" indent="0">
+              <a:spcAft>
+                <a:spcPts val="800"/>
+              </a:spcAft>
+              <a:buNone/>
+            </a:pPr>
+            <a:r>
+              <a:rPr lang="en-GB" sz="1200" b="1" kern="100" dirty="0" err="1">
+                <a:effectLst/>
+                <a:latin typeface="Aptos" panose="020B0004020202020204" pitchFamily="34" charset="0"/>
+                <a:ea typeface="Aptos" panose="020B0004020202020204" pitchFamily="34" charset="0"/>
+                <a:cs typeface="Times New Roman" panose="02020603050405020304" pitchFamily="18" charset="0"/>
+              </a:rPr>
+              <a:t>ValidatorService</a:t>
+            </a:r>
+            <a:r>
+              <a:rPr lang="en-GB" sz="1200" kern="100" dirty="0">
+                <a:effectLst/>
+                <a:latin typeface="Aptos" panose="020B0004020202020204" pitchFamily="34" charset="0"/>
+                <a:ea typeface="Aptos" panose="020B0004020202020204" pitchFamily="34" charset="0"/>
+                <a:cs typeface="Times New Roman" panose="02020603050405020304" pitchFamily="18" charset="0"/>
+              </a:rPr>
+              <a:t>: </a:t>
+            </a:r>
+            <a:r>
+              <a:rPr lang="en-GB" sz="1200" b="1" kern="100" dirty="0" err="1">
+                <a:effectLst/>
+                <a:latin typeface="Aptos" panose="020B0004020202020204" pitchFamily="34" charset="0"/>
+                <a:ea typeface="Aptos" panose="020B0004020202020204" pitchFamily="34" charset="0"/>
+                <a:cs typeface="Times New Roman" panose="02020603050405020304" pitchFamily="18" charset="0"/>
+              </a:rPr>
+              <a:t>ValidatorService</a:t>
+            </a:r>
+            <a:r>
+              <a:rPr lang="en-GB" sz="1200" kern="100" dirty="0">
+                <a:effectLst/>
+                <a:latin typeface="Aptos" panose="020B0004020202020204" pitchFamily="34" charset="0"/>
+                <a:ea typeface="Aptos" panose="020B0004020202020204" pitchFamily="34" charset="0"/>
+                <a:cs typeface="Times New Roman" panose="02020603050405020304" pitchFamily="18" charset="0"/>
+              </a:rPr>
+              <a:t> is responsible for validating user input, such as checking the validity of a </a:t>
+            </a:r>
+            <a:r>
+              <a:rPr lang="en-GB" sz="1200" b="1" kern="100" dirty="0">
+                <a:effectLst/>
+                <a:latin typeface="Aptos" panose="020B0004020202020204" pitchFamily="34" charset="0"/>
+                <a:ea typeface="Aptos" panose="020B0004020202020204" pitchFamily="34" charset="0"/>
+                <a:cs typeface="Times New Roman" panose="02020603050405020304" pitchFamily="18" charset="0"/>
+              </a:rPr>
+              <a:t>username</a:t>
+            </a:r>
+            <a:r>
+              <a:rPr lang="en-GB" sz="1200" kern="100" dirty="0">
+                <a:effectLst/>
+                <a:latin typeface="Aptos" panose="020B0004020202020204" pitchFamily="34" charset="0"/>
+                <a:ea typeface="Aptos" panose="020B0004020202020204" pitchFamily="34" charset="0"/>
+                <a:cs typeface="Times New Roman" panose="02020603050405020304" pitchFamily="18" charset="0"/>
+              </a:rPr>
+              <a:t>, </a:t>
+            </a:r>
+            <a:r>
+              <a:rPr lang="en-GB" sz="1200" b="1" kern="100" dirty="0">
+                <a:effectLst/>
+                <a:latin typeface="Aptos" panose="020B0004020202020204" pitchFamily="34" charset="0"/>
+                <a:ea typeface="Aptos" panose="020B0004020202020204" pitchFamily="34" charset="0"/>
+                <a:cs typeface="Times New Roman" panose="02020603050405020304" pitchFamily="18" charset="0"/>
+              </a:rPr>
+              <a:t>email</a:t>
+            </a:r>
+            <a:r>
+              <a:rPr lang="en-GB" sz="1200" kern="100" dirty="0">
+                <a:effectLst/>
+                <a:latin typeface="Aptos" panose="020B0004020202020204" pitchFamily="34" charset="0"/>
+                <a:ea typeface="Aptos" panose="020B0004020202020204" pitchFamily="34" charset="0"/>
+                <a:cs typeface="Times New Roman" panose="02020603050405020304" pitchFamily="18" charset="0"/>
+              </a:rPr>
+              <a:t>, and </a:t>
+            </a:r>
+            <a:r>
+              <a:rPr lang="en-GB" sz="1200" b="1" kern="100" dirty="0">
+                <a:effectLst/>
+                <a:latin typeface="Aptos" panose="020B0004020202020204" pitchFamily="34" charset="0"/>
+                <a:ea typeface="Aptos" panose="020B0004020202020204" pitchFamily="34" charset="0"/>
+                <a:cs typeface="Times New Roman" panose="02020603050405020304" pitchFamily="18" charset="0"/>
+              </a:rPr>
+              <a:t>password</a:t>
+            </a:r>
+            <a:r>
+              <a:rPr lang="en-GB" sz="1200" kern="100" dirty="0">
+                <a:effectLst/>
+                <a:latin typeface="Aptos" panose="020B0004020202020204" pitchFamily="34" charset="0"/>
+                <a:ea typeface="Aptos" panose="020B0004020202020204" pitchFamily="34" charset="0"/>
+                <a:cs typeface="Times New Roman" panose="02020603050405020304" pitchFamily="18" charset="0"/>
+              </a:rPr>
+              <a:t> (e.g., ensuring strong password rules or proper email format).</a:t>
+            </a:r>
+            <a:r>
+              <a:rPr lang="en-GB" sz="1200" kern="100" dirty="0">
+                <a:latin typeface="Aptos" panose="020B0004020202020204" pitchFamily="34" charset="0"/>
+                <a:ea typeface="Aptos" panose="020B0004020202020204" pitchFamily="34" charset="0"/>
+                <a:cs typeface="Times New Roman" panose="02020603050405020304" pitchFamily="18" charset="0"/>
+              </a:rPr>
+              <a:t> </a:t>
+            </a:r>
+            <a:r>
+              <a:rPr lang="en-GB" sz="1200" b="1" kern="100" dirty="0" err="1">
+                <a:effectLst/>
+                <a:latin typeface="Aptos" panose="020B0004020202020204" pitchFamily="34" charset="0"/>
+                <a:ea typeface="Aptos" panose="020B0004020202020204" pitchFamily="34" charset="0"/>
+                <a:cs typeface="Times New Roman" panose="02020603050405020304" pitchFamily="18" charset="0"/>
+              </a:rPr>
+              <a:t>UserManager</a:t>
+            </a:r>
+            <a:r>
+              <a:rPr lang="en-GB" sz="1200" kern="100" dirty="0">
+                <a:effectLst/>
+                <a:latin typeface="Aptos" panose="020B0004020202020204" pitchFamily="34" charset="0"/>
+                <a:ea typeface="Aptos" panose="020B0004020202020204" pitchFamily="34" charset="0"/>
+                <a:cs typeface="Times New Roman" panose="02020603050405020304" pitchFamily="18" charset="0"/>
+              </a:rPr>
+              <a:t> uses </a:t>
+            </a:r>
+            <a:r>
+              <a:rPr lang="en-GB" sz="1200" b="1" kern="100" dirty="0" err="1">
+                <a:effectLst/>
+                <a:latin typeface="Aptos" panose="020B0004020202020204" pitchFamily="34" charset="0"/>
+                <a:ea typeface="Aptos" panose="020B0004020202020204" pitchFamily="34" charset="0"/>
+                <a:cs typeface="Times New Roman" panose="02020603050405020304" pitchFamily="18" charset="0"/>
+              </a:rPr>
+              <a:t>ValidatorService</a:t>
+            </a:r>
+            <a:r>
+              <a:rPr lang="en-GB" sz="1200" kern="100" dirty="0">
+                <a:effectLst/>
+                <a:latin typeface="Aptos" panose="020B0004020202020204" pitchFamily="34" charset="0"/>
+                <a:ea typeface="Aptos" panose="020B0004020202020204" pitchFamily="34" charset="0"/>
+                <a:cs typeface="Times New Roman" panose="02020603050405020304" pitchFamily="18" charset="0"/>
+              </a:rPr>
+              <a:t> to ensure inputs are valid when users register or update their profile.</a:t>
+            </a:r>
+          </a:p>
+          <a:p>
+            <a:pPr marL="0" indent="0">
+              <a:spcAft>
+                <a:spcPts val="800"/>
+              </a:spcAft>
+              <a:buNone/>
+            </a:pPr>
+            <a:r>
+              <a:rPr lang="en-GB" sz="1200" b="1" kern="100" dirty="0">
+                <a:effectLst/>
+                <a:latin typeface="Aptos" panose="020B0004020202020204" pitchFamily="34" charset="0"/>
+                <a:ea typeface="Aptos" panose="020B0004020202020204" pitchFamily="34" charset="0"/>
+                <a:cs typeface="Times New Roman" panose="02020603050405020304" pitchFamily="18" charset="0"/>
+              </a:rPr>
+              <a:t>App</a:t>
+            </a:r>
+            <a:r>
+              <a:rPr lang="en-GB" sz="1200" kern="100" dirty="0">
+                <a:effectLst/>
+                <a:latin typeface="Aptos" panose="020B0004020202020204" pitchFamily="34" charset="0"/>
+                <a:ea typeface="Aptos" panose="020B0004020202020204" pitchFamily="34" charset="0"/>
+                <a:cs typeface="Times New Roman" panose="02020603050405020304" pitchFamily="18" charset="0"/>
+              </a:rPr>
+              <a:t>: </a:t>
+            </a:r>
+            <a:r>
+              <a:rPr lang="en-GB" sz="1200" b="1" kern="100" dirty="0">
+                <a:effectLst/>
+                <a:latin typeface="Aptos" panose="020B0004020202020204" pitchFamily="34" charset="0"/>
+                <a:ea typeface="Aptos" panose="020B0004020202020204" pitchFamily="34" charset="0"/>
+                <a:cs typeface="Times New Roman" panose="02020603050405020304" pitchFamily="18" charset="0"/>
+              </a:rPr>
+              <a:t>App</a:t>
+            </a:r>
+            <a:r>
+              <a:rPr lang="en-GB" sz="1200" kern="100" dirty="0">
+                <a:effectLst/>
+                <a:latin typeface="Aptos" panose="020B0004020202020204" pitchFamily="34" charset="0"/>
+                <a:ea typeface="Aptos" panose="020B0004020202020204" pitchFamily="34" charset="0"/>
+                <a:cs typeface="Times New Roman" panose="02020603050405020304" pitchFamily="18" charset="0"/>
+              </a:rPr>
+              <a:t> is the central controller of the application and interacts with the </a:t>
+            </a:r>
+            <a:r>
+              <a:rPr lang="en-GB" sz="1200" b="1" kern="100" dirty="0" err="1">
+                <a:effectLst/>
+                <a:latin typeface="Aptos" panose="020B0004020202020204" pitchFamily="34" charset="0"/>
+                <a:ea typeface="Aptos" panose="020B0004020202020204" pitchFamily="34" charset="0"/>
+                <a:cs typeface="Times New Roman" panose="02020603050405020304" pitchFamily="18" charset="0"/>
+              </a:rPr>
+              <a:t>UserManager</a:t>
+            </a:r>
+            <a:r>
+              <a:rPr lang="en-GB" sz="1200" kern="100" dirty="0">
+                <a:effectLst/>
+                <a:latin typeface="Aptos" panose="020B0004020202020204" pitchFamily="34" charset="0"/>
+                <a:ea typeface="Aptos" panose="020B0004020202020204" pitchFamily="34" charset="0"/>
+                <a:cs typeface="Times New Roman" panose="02020603050405020304" pitchFamily="18" charset="0"/>
+              </a:rPr>
+              <a:t>, </a:t>
+            </a:r>
+            <a:r>
+              <a:rPr lang="en-GB" sz="1200" b="1" kern="100" dirty="0" err="1">
+                <a:effectLst/>
+                <a:latin typeface="Aptos" panose="020B0004020202020204" pitchFamily="34" charset="0"/>
+                <a:ea typeface="Aptos" panose="020B0004020202020204" pitchFamily="34" charset="0"/>
+                <a:cs typeface="Times New Roman" panose="02020603050405020304" pitchFamily="18" charset="0"/>
+              </a:rPr>
+              <a:t>PasswordManager</a:t>
+            </a:r>
+            <a:r>
+              <a:rPr lang="en-GB" sz="1200" kern="100" dirty="0">
+                <a:effectLst/>
+                <a:latin typeface="Aptos" panose="020B0004020202020204" pitchFamily="34" charset="0"/>
+                <a:ea typeface="Aptos" panose="020B0004020202020204" pitchFamily="34" charset="0"/>
+                <a:cs typeface="Times New Roman" panose="02020603050405020304" pitchFamily="18" charset="0"/>
+              </a:rPr>
+              <a:t>, and </a:t>
+            </a:r>
+            <a:r>
+              <a:rPr lang="en-GB" sz="1200" b="1" kern="100" dirty="0" err="1">
+                <a:effectLst/>
+                <a:latin typeface="Aptos" panose="020B0004020202020204" pitchFamily="34" charset="0"/>
+                <a:ea typeface="Aptos" panose="020B0004020202020204" pitchFamily="34" charset="0"/>
+                <a:cs typeface="Times New Roman" panose="02020603050405020304" pitchFamily="18" charset="0"/>
+              </a:rPr>
+              <a:t>EncryptionService</a:t>
+            </a:r>
+            <a:r>
+              <a:rPr lang="en-GB" sz="1200" kern="100" dirty="0">
+                <a:effectLst/>
+                <a:latin typeface="Aptos" panose="020B0004020202020204" pitchFamily="34" charset="0"/>
+                <a:ea typeface="Aptos" panose="020B0004020202020204" pitchFamily="34" charset="0"/>
+                <a:cs typeface="Times New Roman" panose="02020603050405020304" pitchFamily="18" charset="0"/>
+              </a:rPr>
+              <a:t> to manage the overall application flow. The </a:t>
+            </a:r>
+            <a:r>
+              <a:rPr lang="en-GB" sz="1200" b="1" kern="100" dirty="0">
+                <a:effectLst/>
+                <a:latin typeface="Aptos" panose="020B0004020202020204" pitchFamily="34" charset="0"/>
+                <a:ea typeface="Aptos" panose="020B0004020202020204" pitchFamily="34" charset="0"/>
+                <a:cs typeface="Times New Roman" panose="02020603050405020304" pitchFamily="18" charset="0"/>
+              </a:rPr>
+              <a:t>App</a:t>
+            </a:r>
+            <a:r>
+              <a:rPr lang="en-GB" sz="1200" kern="100" dirty="0">
+                <a:effectLst/>
+                <a:latin typeface="Aptos" panose="020B0004020202020204" pitchFamily="34" charset="0"/>
+                <a:ea typeface="Aptos" panose="020B0004020202020204" pitchFamily="34" charset="0"/>
+                <a:cs typeface="Times New Roman" panose="02020603050405020304" pitchFamily="18" charset="0"/>
+              </a:rPr>
+              <a:t> class can log in users, register new users, add new password entries, and render various pages based on user interactions.</a:t>
+            </a:r>
+          </a:p>
+          <a:p>
+            <a:endParaRPr lang="en-US" sz="1200" dirty="0"/>
+          </a:p>
+        </p:txBody>
+      </p:sp>
+      <p:sp>
+        <p:nvSpPr>
+          <p:cNvPr id="32" name="Rectangle 31">
+            <a:extLst>
+              <a:ext uri="{FF2B5EF4-FFF2-40B4-BE49-F238E27FC236}">
+                <a16:creationId xmlns:a16="http://schemas.microsoft.com/office/drawing/2014/main" id="{7004738A-9D34-43E8-97D2-CA0EED4F8BE0}"/>
+              </a:ext>
+              <a:ext uri="{C183D7F6-B498-43B3-948B-1728B52AA6E4}">
+                <adec:decorative xmlns:adec="http://schemas.microsoft.com/office/drawing/2017/decorative" val="1"/>
+              </a:ext>
+            </a:extLst>
+          </p:cNvPr>
+          <p:cNvSpPr>
+            <a:spLocks noGrp="1" noRot="1" noChangeAspect="1" noMove="1" noResize="1" noEditPoints="1" noAdjustHandles="1" noChangeArrowheads="1" noChangeShapeType="1" noTextEdit="1"/>
+          </p:cNvSpPr>
+          <p:nvPr>
+            <p:extLst>
+              <p:ext uri="{386F3935-93C4-4BCD-93E2-E3B085C9AB24}">
+                <p16:designElem xmlns:p16="http://schemas.microsoft.com/office/powerpoint/2015/main" val="1"/>
+              </p:ext>
+            </p:extLst>
+          </p:nvPr>
+        </p:nvSpPr>
+        <p:spPr>
+          <a:xfrm rot="10800000" flipH="1">
+            <a:off x="8123333" y="-5"/>
+            <a:ext cx="4092521" cy="6858000"/>
+          </a:xfrm>
+          <a:prstGeom prst="rect">
+            <a:avLst/>
+          </a:prstGeom>
+          <a:gradFill>
+            <a:gsLst>
+              <a:gs pos="8000">
+                <a:srgbClr val="000000">
+                  <a:alpha val="94000"/>
+                </a:srgbClr>
+              </a:gs>
+              <a:gs pos="100000">
+                <a:schemeClr val="accent1"/>
+              </a:gs>
+            </a:gsLst>
+            <a:lin ang="2400000" scaled="0"/>
+          </a:gradFill>
+          <a:ln>
+            <a:noFill/>
+          </a:ln>
+        </p:spPr>
+        <p:style>
+          <a:lnRef idx="2">
+            <a:schemeClr val="accent1">
+              <a:shade val="50000"/>
+            </a:schemeClr>
+          </a:lnRef>
+          <a:fillRef idx="1">
+            <a:schemeClr val="accent1"/>
+          </a:fillRef>
+          <a:effectRef idx="0">
+            <a:schemeClr val="accent1"/>
+          </a:effectRef>
+          <a:fontRef idx="minor">
+            <a:schemeClr val="lt1"/>
+          </a:fontRef>
+        </p:style>
+        <p:txBody>
+          <a:bodyPr rtlCol="0" anchor="ctr"/>
+          <a:lstStyle/>
+          <a:p>
+            <a:pPr algn="ctr"/>
+            <a:endParaRPr lang="en-US"/>
+          </a:p>
+        </p:txBody>
+      </p:sp>
+      <p:sp>
+        <p:nvSpPr>
+          <p:cNvPr id="29" name="Rectangle 28">
+            <a:extLst>
+              <a:ext uri="{FF2B5EF4-FFF2-40B4-BE49-F238E27FC236}">
+                <a16:creationId xmlns:a16="http://schemas.microsoft.com/office/drawing/2014/main" id="{B8B8D07F-F13E-443E-BA68-2D26672D76B9}"/>
+              </a:ext>
+              <a:ext uri="{C183D7F6-B498-43B3-948B-1728B52AA6E4}">
+                <adec:decorative xmlns:adec="http://schemas.microsoft.com/office/drawing/2017/decorative" val="1"/>
+              </a:ext>
+            </a:extLst>
+          </p:cNvPr>
+          <p:cNvSpPr>
+            <a:spLocks noGrp="1" noRot="1" noChangeAspect="1" noMove="1" noResize="1" noEditPoints="1" noAdjustHandles="1" noChangeArrowheads="1" noChangeShapeType="1" noTextEdit="1"/>
+          </p:cNvSpPr>
+          <p:nvPr>
+            <p:extLst>
+              <p:ext uri="{386F3935-93C4-4BCD-93E2-E3B085C9AB24}">
+                <p16:designElem xmlns:p16="http://schemas.microsoft.com/office/powerpoint/2015/main" val="1"/>
+              </p:ext>
+            </p:extLst>
+          </p:nvPr>
+        </p:nvSpPr>
+        <p:spPr>
+          <a:xfrm rot="10800000" flipH="1">
+            <a:off x="8123333" y="-2"/>
+            <a:ext cx="4092521" cy="6400369"/>
+          </a:xfrm>
+          <a:prstGeom prst="rect">
+            <a:avLst/>
+          </a:prstGeom>
+          <a:gradFill>
+            <a:gsLst>
+              <a:gs pos="31000">
+                <a:schemeClr val="accent1">
+                  <a:lumMod val="50000"/>
+                  <a:alpha val="0"/>
+                </a:schemeClr>
+              </a:gs>
+              <a:gs pos="100000">
+                <a:schemeClr val="accent1">
+                  <a:lumMod val="50000"/>
+                  <a:alpha val="26000"/>
+                </a:schemeClr>
+              </a:gs>
+            </a:gsLst>
+            <a:lin ang="18000000" scaled="0"/>
+          </a:gradFill>
+          <a:ln>
+            <a:noFill/>
+          </a:ln>
+        </p:spPr>
+        <p:style>
+          <a:lnRef idx="2">
+            <a:schemeClr val="accent1">
+              <a:shade val="50000"/>
+            </a:schemeClr>
+          </a:lnRef>
+          <a:fillRef idx="1">
+            <a:schemeClr val="accent1"/>
+          </a:fillRef>
+          <a:effectRef idx="0">
+            <a:schemeClr val="accent1"/>
+          </a:effectRef>
+          <a:fontRef idx="minor">
+            <a:schemeClr val="lt1"/>
+          </a:fontRef>
+        </p:style>
+        <p:txBody>
+          <a:bodyPr rtlCol="0" anchor="ctr"/>
+          <a:lstStyle/>
+          <a:p>
+            <a:pPr algn="ctr"/>
+            <a:endParaRPr lang="en-US" dirty="0"/>
+          </a:p>
+        </p:txBody>
+      </p:sp>
+      <p:sp>
+        <p:nvSpPr>
+          <p:cNvPr id="31" name="Rectangle 30">
+            <a:extLst>
+              <a:ext uri="{FF2B5EF4-FFF2-40B4-BE49-F238E27FC236}">
+                <a16:creationId xmlns:a16="http://schemas.microsoft.com/office/drawing/2014/main" id="{2813A4FA-24A5-41ED-A534-3807D1B2F344}"/>
+              </a:ext>
+              <a:ext uri="{C183D7F6-B498-43B3-948B-1728B52AA6E4}">
+                <adec:decorative xmlns:adec="http://schemas.microsoft.com/office/drawing/2017/decorative" val="1"/>
+              </a:ext>
+            </a:extLst>
+          </p:cNvPr>
+          <p:cNvSpPr>
+            <a:spLocks noGrp="1" noRot="1" noChangeAspect="1" noMove="1" noResize="1" noEditPoints="1" noAdjustHandles="1" noChangeArrowheads="1" noChangeShapeType="1" noTextEdit="1"/>
+          </p:cNvSpPr>
+          <p:nvPr>
+            <p:extLst>
+              <p:ext uri="{386F3935-93C4-4BCD-93E2-E3B085C9AB24}">
+                <p16:designElem xmlns:p16="http://schemas.microsoft.com/office/powerpoint/2015/main" val="1"/>
+              </p:ext>
+            </p:extLst>
+          </p:nvPr>
+        </p:nvSpPr>
+        <p:spPr>
+          <a:xfrm rot="10800000" flipH="1">
+            <a:off x="8123333" y="-22"/>
+            <a:ext cx="4068667" cy="6400389"/>
+          </a:xfrm>
+          <a:prstGeom prst="rect">
+            <a:avLst/>
+          </a:prstGeom>
+          <a:gradFill>
+            <a:gsLst>
+              <a:gs pos="0">
+                <a:schemeClr val="accent1">
+                  <a:alpha val="0"/>
+                </a:schemeClr>
+              </a:gs>
+              <a:gs pos="72000">
+                <a:srgbClr val="000000">
+                  <a:alpha val="21000"/>
+                </a:srgbClr>
+              </a:gs>
+            </a:gsLst>
+            <a:lin ang="3000000" scaled="0"/>
+          </a:gradFill>
+          <a:ln>
+            <a:noFill/>
+          </a:ln>
+        </p:spPr>
+        <p:style>
+          <a:lnRef idx="2">
+            <a:schemeClr val="accent1">
+              <a:shade val="50000"/>
+            </a:schemeClr>
+          </a:lnRef>
+          <a:fillRef idx="1">
+            <a:schemeClr val="accent1"/>
+          </a:fillRef>
+          <a:effectRef idx="0">
+            <a:schemeClr val="accent1"/>
+          </a:effectRef>
+          <a:fontRef idx="minor">
+            <a:schemeClr val="lt1"/>
+          </a:fontRef>
+        </p:style>
+        <p:txBody>
+          <a:bodyPr rtlCol="0" anchor="ctr"/>
+          <a:lstStyle/>
+          <a:p>
+            <a:pPr algn="ctr"/>
+            <a:endParaRPr lang="en-US" dirty="0"/>
+          </a:p>
+        </p:txBody>
+      </p:sp>
+      <p:sp>
+        <p:nvSpPr>
+          <p:cNvPr id="33" name="Rectangle 32">
+            <a:extLst>
+              <a:ext uri="{FF2B5EF4-FFF2-40B4-BE49-F238E27FC236}">
+                <a16:creationId xmlns:a16="http://schemas.microsoft.com/office/drawing/2014/main" id="{C3944F27-CA70-4E84-A51A-E6BF89558979}"/>
+              </a:ext>
+              <a:ext uri="{C183D7F6-B498-43B3-948B-1728B52AA6E4}">
+                <adec:decorative xmlns:adec="http://schemas.microsoft.com/office/drawing/2017/decorative" val="1"/>
+              </a:ext>
+            </a:extLst>
+          </p:cNvPr>
+          <p:cNvSpPr>
+            <a:spLocks noGrp="1" noRot="1" noChangeAspect="1" noMove="1" noResize="1" noEditPoints="1" noAdjustHandles="1" noChangeArrowheads="1" noChangeShapeType="1" noTextEdit="1"/>
+          </p:cNvSpPr>
+          <p:nvPr>
+            <p:extLst>
+              <p:ext uri="{386F3935-93C4-4BCD-93E2-E3B085C9AB24}">
+                <p16:designElem xmlns:p16="http://schemas.microsoft.com/office/powerpoint/2015/main" val="1"/>
+              </p:ext>
+            </p:extLst>
+          </p:nvPr>
+        </p:nvSpPr>
+        <p:spPr>
+          <a:xfrm rot="10800000" flipH="1">
+            <a:off x="8123333" y="-10"/>
+            <a:ext cx="3611467" cy="6857997"/>
+          </a:xfrm>
+          <a:prstGeom prst="rect">
+            <a:avLst/>
+          </a:prstGeom>
+          <a:gradFill>
+            <a:gsLst>
+              <a:gs pos="0">
+                <a:schemeClr val="accent1">
+                  <a:alpha val="0"/>
+                </a:schemeClr>
+              </a:gs>
+              <a:gs pos="93000">
+                <a:srgbClr val="000000">
+                  <a:alpha val="29000"/>
+                </a:srgbClr>
+              </a:gs>
+            </a:gsLst>
+            <a:lin ang="5400000" scaled="0"/>
+          </a:gradFill>
+          <a:ln>
+            <a:noFill/>
+          </a:ln>
+        </p:spPr>
+        <p:style>
+          <a:lnRef idx="2">
+            <a:schemeClr val="accent1">
+              <a:shade val="50000"/>
+            </a:schemeClr>
+          </a:lnRef>
+          <a:fillRef idx="1">
+            <a:schemeClr val="accent1"/>
+          </a:fillRef>
+          <a:effectRef idx="0">
+            <a:schemeClr val="accent1"/>
+          </a:effectRef>
+          <a:fontRef idx="minor">
+            <a:schemeClr val="lt1"/>
+          </a:fontRef>
+        </p:style>
+        <p:txBody>
+          <a:bodyPr rtlCol="0" anchor="ctr"/>
+          <a:lstStyle/>
+          <a:p>
+            <a:pPr algn="ctr"/>
+            <a:endParaRPr lang="en-US" dirty="0"/>
+          </a:p>
+        </p:txBody>
+      </p:sp>
+      <p:pic>
+        <p:nvPicPr>
+          <p:cNvPr id="3" name="Content Placeholder 3" descr="A screenshot of a computer&#10;&#10;Description automatically generated">
+            <a:extLst>
+              <a:ext uri="{FF2B5EF4-FFF2-40B4-BE49-F238E27FC236}">
+                <a16:creationId xmlns:a16="http://schemas.microsoft.com/office/drawing/2014/main" id="{6476C0CF-C475-0F11-3B76-944E5E097EB4}"/>
+              </a:ext>
+            </a:extLst>
+          </p:cNvPr>
+          <p:cNvPicPr>
+            <a:picLocks noChangeAspect="1"/>
+          </p:cNvPicPr>
+          <p:nvPr/>
+        </p:nvPicPr>
+        <p:blipFill>
+          <a:blip r:embed="rId2"/>
+          <a:stretch>
+            <a:fillRect/>
+          </a:stretch>
+        </p:blipFill>
+        <p:spPr>
+          <a:xfrm>
+            <a:off x="7373447" y="909081"/>
+            <a:ext cx="3575570" cy="5071731"/>
+          </a:xfrm>
+          <a:prstGeom prst="rect">
+            <a:avLst/>
+          </a:prstGeom>
+        </p:spPr>
+      </p:pic>
+    </p:spTree>
+    <p:extLst>
+      <p:ext uri="{BB962C8B-B14F-4D97-AF65-F5344CB8AC3E}">
+        <p14:creationId xmlns:p14="http://schemas.microsoft.com/office/powerpoint/2010/main" val="3576895188"/>
+      </p:ext>
+    </p:extLst>
+  </p:cSld>
+  <p:clrMapOvr>
+    <a:masterClrMapping/>
+  </p:clrMapOvr>
+</p:sld>
+</file>
+
+<file path=ppt/slides/slide8.xml><?xml version="1.0" encoding="utf-8"?>
+<p:sld xmlns:a="http://schemas.openxmlformats.org/drawingml/2006/main" xmlns:r="http://schemas.openxmlformats.org/officeDocument/2006/relationships" xmlns:p="http://schemas.openxmlformats.org/presentationml/2006/main">
+  <p:cSld>
+    <p:bg>
+      <p:bgPr>
+        <a:solidFill>
+          <a:schemeClr val="bg1"/>
+        </a:solidFill>
+        <a:effectLst/>
+      </p:bgPr>
+    </p:bg>
+    <p:spTree>
+      <p:nvGrpSpPr>
+        <p:cNvPr id="1" name=""/>
+        <p:cNvGrpSpPr/>
+        <p:nvPr/>
+      </p:nvGrpSpPr>
+      <p:grpSpPr>
+        <a:xfrm>
+          <a:off x="0" y="0"/>
+          <a:ext cx="0" cy="0"/>
+          <a:chOff x="0" y="0"/>
+          <a:chExt cx="0" cy="0"/>
+        </a:xfrm>
+      </p:grpSpPr>
+      <p:sp useBgFill="1">
+        <p:nvSpPr>
+          <p:cNvPr id="12" name="Rectangle 11">
+            <a:extLst>
+              <a:ext uri="{FF2B5EF4-FFF2-40B4-BE49-F238E27FC236}">
+                <a16:creationId xmlns:a16="http://schemas.microsoft.com/office/drawing/2014/main" id="{2151139A-886F-4B97-8815-729AD3831BBD}"/>
+              </a:ext>
+              <a:ext uri="{C183D7F6-B498-43B3-948B-1728B52AA6E4}">
+                <adec:decorative xmlns:adec="http://schemas.microsoft.com/office/drawing/2017/decorative" val="1"/>
+              </a:ext>
+            </a:extLst>
+          </p:cNvPr>
+          <p:cNvSpPr>
+            <a:spLocks noGrp="1" noRot="1" noChangeAspect="1" noMove="1" noResize="1" noEditPoints="1" noAdjustHandles="1" noChangeArrowheads="1" noChangeShapeType="1" noTextEdit="1"/>
+          </p:cNvSpPr>
+          <p:nvPr>
+            <p:extLst>
+              <p:ext uri="{386F3935-93C4-4BCD-93E2-E3B085C9AB24}">
+                <p16:designElem xmlns:p16="http://schemas.microsoft.com/office/powerpoint/2015/main" val="1"/>
+              </p:ext>
+            </p:extLst>
+          </p:nvPr>
+        </p:nvSpPr>
+        <p:spPr>
+          <a:xfrm>
+            <a:off x="0" y="0"/>
+            <a:ext cx="12192000" cy="6858000"/>
+          </a:xfrm>
+          <a:prstGeom prst="rect">
+            <a:avLst/>
+          </a:prstGeom>
+          <a:ln w="12700" cap="flat" cmpd="sng" algn="ctr">
+            <a:noFill/>
+            <a:prstDash val="solid"/>
+            <a:miter lim="800000"/>
+          </a:ln>
+          <a:effectLst/>
+          <a:extLst>
+            <a:ext uri="{91240B29-F687-4F45-9708-019B960494DF}">
+              <a14:hiddenLine xmlns:a14="http://schemas.microsoft.com/office/drawing/2010/main" w="12700" cap="flat" cmpd="sng" algn="ctr">
+                <a:solidFill>
+                  <a:schemeClr val="accent1">
+                    <a:shade val="50000"/>
+                  </a:schemeClr>
+                </a:solidFill>
+                <a:prstDash val="solid"/>
+                <a:miter lim="800000"/>
+              </a14:hiddenLine>
+            </a:ext>
+          </a:extLst>
+        </p:spPr>
+        <p:style>
+          <a:lnRef idx="2">
+            <a:schemeClr val="accent1">
+              <a:shade val="50000"/>
+            </a:schemeClr>
+          </a:lnRef>
+          <a:fillRef idx="1">
+            <a:schemeClr val="accent1"/>
+          </a:fillRef>
+          <a:effectRef idx="0">
+            <a:schemeClr val="accent1"/>
+          </a:effectRef>
+          <a:fontRef idx="minor">
+            <a:schemeClr val="lt1"/>
+          </a:fontRef>
+        </p:style>
+        <p:txBody>
+          <a:bodyPr rtlCol="0" anchor="ctr"/>
+          <a:lstStyle/>
+          <a:p>
+            <a:pPr algn="ctr"/>
+            <a:endParaRPr lang="en-US" sz="2000"/>
+          </a:p>
+        </p:txBody>
+      </p:sp>
+      <p:sp>
+        <p:nvSpPr>
+          <p:cNvPr id="14" name="Rectangle 13">
+            <a:extLst>
+              <a:ext uri="{FF2B5EF4-FFF2-40B4-BE49-F238E27FC236}">
+                <a16:creationId xmlns:a16="http://schemas.microsoft.com/office/drawing/2014/main" id="{AB5E08C4-8CDD-4623-A5B8-E998C6DEE3B7}"/>
+              </a:ext>
+              <a:ext uri="{C183D7F6-B498-43B3-948B-1728B52AA6E4}">
+                <adec:decorative xmlns:adec="http://schemas.microsoft.com/office/drawing/2017/decorative" val="1"/>
+              </a:ext>
+            </a:extLst>
+          </p:cNvPr>
+          <p:cNvSpPr>
+            <a:spLocks noGrp="1" noRot="1" noChangeAspect="1" noMove="1" noResize="1" noEditPoints="1" noAdjustHandles="1" noChangeArrowheads="1" noChangeShapeType="1" noTextEdit="1"/>
+          </p:cNvSpPr>
+          <p:nvPr>
+            <p:extLst>
+              <p:ext uri="{386F3935-93C4-4BCD-93E2-E3B085C9AB24}">
+                <p16:designElem xmlns:p16="http://schemas.microsoft.com/office/powerpoint/2015/main" val="1"/>
+              </p:ext>
+            </p:extLst>
+          </p:nvPr>
+        </p:nvSpPr>
+        <p:spPr>
+          <a:xfrm flipH="1">
+            <a:off x="2" y="492"/>
+            <a:ext cx="12191998" cy="1575955"/>
+          </a:xfrm>
+          <a:prstGeom prst="rect">
+            <a:avLst/>
+          </a:prstGeom>
+          <a:gradFill>
+            <a:gsLst>
+              <a:gs pos="0">
+                <a:schemeClr val="accent1">
+                  <a:lumMod val="50000"/>
+                </a:schemeClr>
+              </a:gs>
+              <a:gs pos="100000">
+                <a:schemeClr val="accent1">
+                  <a:lumMod val="75000"/>
+                </a:schemeClr>
+              </a:gs>
+            </a:gsLst>
+            <a:lin ang="8400000" scaled="0"/>
+          </a:gradFill>
+          <a:ln>
+            <a:noFill/>
+          </a:ln>
+        </p:spPr>
+        <p:style>
+          <a:lnRef idx="2">
+            <a:schemeClr val="accent1">
+              <a:shade val="50000"/>
+            </a:schemeClr>
+          </a:lnRef>
+          <a:fillRef idx="1">
+            <a:schemeClr val="accent1"/>
+          </a:fillRef>
+          <a:effectRef idx="0">
+            <a:schemeClr val="accent1"/>
+          </a:effectRef>
+          <a:fontRef idx="minor">
+            <a:schemeClr val="lt1"/>
+          </a:fontRef>
+        </p:style>
+        <p:txBody>
+          <a:bodyPr rtlCol="0" anchor="ctr"/>
+          <a:lstStyle/>
+          <a:p>
+            <a:pPr algn="ctr"/>
+            <a:endParaRPr lang="en-US"/>
+          </a:p>
+        </p:txBody>
+      </p:sp>
+      <p:sp>
+        <p:nvSpPr>
+          <p:cNvPr id="16" name="Rectangle 15">
+            <a:extLst>
+              <a:ext uri="{FF2B5EF4-FFF2-40B4-BE49-F238E27FC236}">
+                <a16:creationId xmlns:a16="http://schemas.microsoft.com/office/drawing/2014/main" id="{15F33878-D502-4FFA-8ACE-F2AECDB2A23F}"/>
+              </a:ext>
+              <a:ext uri="{C183D7F6-B498-43B3-948B-1728B52AA6E4}">
+                <adec:decorative xmlns:adec="http://schemas.microsoft.com/office/drawing/2017/decorative" val="1"/>
+              </a:ext>
+            </a:extLst>
+          </p:cNvPr>
+          <p:cNvSpPr>
+            <a:spLocks noGrp="1" noRot="1" noChangeAspect="1" noMove="1" noResize="1" noEditPoints="1" noAdjustHandles="1" noChangeArrowheads="1" noChangeShapeType="1" noTextEdit="1"/>
+          </p:cNvSpPr>
+          <p:nvPr>
+            <p:extLst>
+              <p:ext uri="{386F3935-93C4-4BCD-93E2-E3B085C9AB24}">
+                <p16:designElem xmlns:p16="http://schemas.microsoft.com/office/powerpoint/2015/main" val="1"/>
+              </p:ext>
+            </p:extLst>
+          </p:nvPr>
+        </p:nvSpPr>
+        <p:spPr>
+          <a:xfrm rot="10800000" flipH="1">
+            <a:off x="8128857" y="35"/>
+            <a:ext cx="4063143" cy="1576412"/>
+          </a:xfrm>
+          <a:prstGeom prst="rect">
+            <a:avLst/>
+          </a:prstGeom>
+          <a:gradFill>
+            <a:gsLst>
+              <a:gs pos="19000">
+                <a:schemeClr val="accent1">
+                  <a:lumMod val="50000"/>
+                  <a:alpha val="68000"/>
+                </a:schemeClr>
+              </a:gs>
+              <a:gs pos="100000">
+                <a:schemeClr val="accent1">
+                  <a:alpha val="79000"/>
+                </a:schemeClr>
+              </a:gs>
+            </a:gsLst>
+            <a:lin ang="19200000" scaled="0"/>
+          </a:gradFill>
+          <a:ln>
+            <a:noFill/>
+          </a:ln>
+        </p:spPr>
+        <p:style>
+          <a:lnRef idx="2">
+            <a:schemeClr val="accent1">
+              <a:shade val="50000"/>
+            </a:schemeClr>
+          </a:lnRef>
+          <a:fillRef idx="1">
+            <a:schemeClr val="accent1"/>
+          </a:fillRef>
+          <a:effectRef idx="0">
+            <a:schemeClr val="accent1"/>
+          </a:effectRef>
+          <a:fontRef idx="minor">
+            <a:schemeClr val="lt1"/>
+          </a:fontRef>
+        </p:style>
+        <p:txBody>
+          <a:bodyPr rtlCol="0" anchor="ctr"/>
+          <a:lstStyle/>
+          <a:p>
+            <a:pPr algn="ctr"/>
+            <a:endParaRPr lang="en-US"/>
+          </a:p>
+        </p:txBody>
+      </p:sp>
+      <p:sp>
+        <p:nvSpPr>
+          <p:cNvPr id="18" name="Rectangle 17">
+            <a:extLst>
+              <a:ext uri="{FF2B5EF4-FFF2-40B4-BE49-F238E27FC236}">
+                <a16:creationId xmlns:a16="http://schemas.microsoft.com/office/drawing/2014/main" id="{D3539FEE-81D3-4406-802E-60B20B16F4F6}"/>
+              </a:ext>
+              <a:ext uri="{C183D7F6-B498-43B3-948B-1728B52AA6E4}">
+                <adec:decorative xmlns:adec="http://schemas.microsoft.com/office/drawing/2017/decorative" val="1"/>
+              </a:ext>
+            </a:extLst>
+          </p:cNvPr>
+          <p:cNvSpPr>
+            <a:spLocks noGrp="1" noRot="1" noChangeAspect="1" noMove="1" noResize="1" noEditPoints="1" noAdjustHandles="1" noChangeArrowheads="1" noChangeShapeType="1" noTextEdit="1"/>
+          </p:cNvSpPr>
+          <p:nvPr>
+            <p:extLst>
+              <p:ext uri="{386F3935-93C4-4BCD-93E2-E3B085C9AB24}">
+                <p16:designElem xmlns:p16="http://schemas.microsoft.com/office/powerpoint/2015/main" val="1"/>
+              </p:ext>
+            </p:extLst>
+          </p:nvPr>
+        </p:nvSpPr>
+        <p:spPr>
+          <a:xfrm rot="5400000">
+            <a:off x="5307778" y="-5307777"/>
+            <a:ext cx="1576446" cy="12192001"/>
+          </a:xfrm>
+          <a:prstGeom prst="rect">
+            <a:avLst/>
+          </a:prstGeom>
+          <a:gradFill>
+            <a:gsLst>
+              <a:gs pos="16000">
+                <a:srgbClr val="000000">
+                  <a:alpha val="0"/>
+                </a:srgbClr>
+              </a:gs>
+              <a:gs pos="99000">
+                <a:srgbClr val="000000">
+                  <a:alpha val="87000"/>
+                </a:srgbClr>
+              </a:gs>
+            </a:gsLst>
+            <a:lin ang="11400000" scaled="0"/>
+          </a:gradFill>
+          <a:ln>
+            <a:noFill/>
+          </a:ln>
+        </p:spPr>
+        <p:style>
+          <a:lnRef idx="2">
+            <a:schemeClr val="accent1">
+              <a:shade val="50000"/>
+            </a:schemeClr>
+          </a:lnRef>
+          <a:fillRef idx="1">
+            <a:schemeClr val="accent1"/>
+          </a:fillRef>
+          <a:effectRef idx="0">
+            <a:schemeClr val="accent1"/>
+          </a:effectRef>
+          <a:fontRef idx="minor">
+            <a:schemeClr val="lt1"/>
+          </a:fontRef>
+        </p:style>
+        <p:txBody>
+          <a:bodyPr rtlCol="0" anchor="ctr"/>
+          <a:lstStyle/>
+          <a:p>
+            <a:pPr algn="ctr"/>
+            <a:endParaRPr lang="en-US" dirty="0"/>
+          </a:p>
+        </p:txBody>
+      </p:sp>
+      <p:sp>
+        <p:nvSpPr>
+          <p:cNvPr id="20" name="Rectangle 19">
+            <a:extLst>
+              <a:ext uri="{FF2B5EF4-FFF2-40B4-BE49-F238E27FC236}">
+                <a16:creationId xmlns:a16="http://schemas.microsoft.com/office/drawing/2014/main" id="{DC701763-729E-462F-A5A8-E0DEFEB1E2E4}"/>
+              </a:ext>
+              <a:ext uri="{C183D7F6-B498-43B3-948B-1728B52AA6E4}">
+                <adec:decorative xmlns:adec="http://schemas.microsoft.com/office/drawing/2017/decorative" val="1"/>
+              </a:ext>
+            </a:extLst>
+          </p:cNvPr>
+          <p:cNvSpPr>
+            <a:spLocks noGrp="1" noRot="1" noChangeAspect="1" noMove="1" noResize="1" noEditPoints="1" noAdjustHandles="1" noChangeArrowheads="1" noChangeShapeType="1" noTextEdit="1"/>
+          </p:cNvSpPr>
+          <p:nvPr>
+            <p:extLst>
+              <p:ext uri="{386F3935-93C4-4BCD-93E2-E3B085C9AB24}">
+                <p16:designElem xmlns:p16="http://schemas.microsoft.com/office/powerpoint/2015/main" val="1"/>
+              </p:ext>
+            </p:extLst>
+          </p:nvPr>
+        </p:nvSpPr>
+        <p:spPr>
+          <a:xfrm>
+            <a:off x="3825434" y="986"/>
+            <a:ext cx="4303422" cy="1575461"/>
+          </a:xfrm>
+          <a:prstGeom prst="rect">
+            <a:avLst/>
+          </a:prstGeom>
+          <a:gradFill>
+            <a:gsLst>
+              <a:gs pos="0">
+                <a:schemeClr val="accent1">
+                  <a:alpha val="17000"/>
+                </a:schemeClr>
+              </a:gs>
+              <a:gs pos="74000">
+                <a:schemeClr val="accent1">
+                  <a:lumMod val="50000"/>
+                  <a:alpha val="0"/>
+                </a:schemeClr>
+              </a:gs>
+            </a:gsLst>
+            <a:lin ang="14400000" scaled="0"/>
+          </a:gradFill>
+          <a:ln>
+            <a:noFill/>
+          </a:ln>
+        </p:spPr>
+        <p:style>
+          <a:lnRef idx="2">
+            <a:schemeClr val="accent1">
+              <a:shade val="50000"/>
+            </a:schemeClr>
+          </a:lnRef>
+          <a:fillRef idx="1">
+            <a:schemeClr val="accent1"/>
+          </a:fillRef>
+          <a:effectRef idx="0">
+            <a:schemeClr val="accent1"/>
+          </a:effectRef>
+          <a:fontRef idx="minor">
+            <a:schemeClr val="lt1"/>
+          </a:fontRef>
+        </p:style>
+        <p:txBody>
+          <a:bodyPr rtlCol="0" anchor="ctr"/>
+          <a:lstStyle/>
+          <a:p>
+            <a:pPr algn="ctr"/>
+            <a:endParaRPr lang="en-US"/>
+          </a:p>
+        </p:txBody>
+      </p:sp>
+      <p:sp>
+        <p:nvSpPr>
+          <p:cNvPr id="2" name="Title 1">
+            <a:extLst>
+              <a:ext uri="{FF2B5EF4-FFF2-40B4-BE49-F238E27FC236}">
+                <a16:creationId xmlns:a16="http://schemas.microsoft.com/office/drawing/2014/main" id="{5BF0D823-2FD3-2908-C2FD-4F563A2BA6FE}"/>
+              </a:ext>
+            </a:extLst>
+          </p:cNvPr>
+          <p:cNvSpPr>
+            <a:spLocks noGrp="1"/>
+          </p:cNvSpPr>
+          <p:nvPr>
+            <p:ph type="title"/>
+          </p:nvPr>
+        </p:nvSpPr>
+        <p:spPr>
+          <a:xfrm>
+            <a:off x="699714" y="353160"/>
+            <a:ext cx="7091300" cy="898581"/>
+          </a:xfrm>
+        </p:spPr>
+        <p:txBody>
+          <a:bodyPr vert="horz" lIns="91440" tIns="45720" rIns="91440" bIns="45720" rtlCol="0" anchor="ctr">
+            <a:normAutofit/>
+          </a:bodyPr>
+          <a:lstStyle/>
+          <a:p>
+            <a:r>
+              <a:rPr lang="en-US" sz="4000">
+                <a:solidFill>
+                  <a:srgbClr val="FFFFFF"/>
+                </a:solidFill>
+              </a:rPr>
+              <a:t>Class Diagram Zoomed</a:t>
+            </a:r>
+          </a:p>
+        </p:txBody>
+      </p:sp>
+      <p:pic>
+        <p:nvPicPr>
+          <p:cNvPr id="5" name="Picture 4" descr="A screenshot of a computer&#10;&#10;Description automatically generated">
+            <a:extLst>
+              <a:ext uri="{FF2B5EF4-FFF2-40B4-BE49-F238E27FC236}">
+                <a16:creationId xmlns:a16="http://schemas.microsoft.com/office/drawing/2014/main" id="{CB2BFA5A-648B-45AE-3BD5-B058572F1A97}"/>
+              </a:ext>
+            </a:extLst>
+          </p:cNvPr>
+          <p:cNvPicPr>
+            <a:picLocks noChangeAspect="1"/>
+          </p:cNvPicPr>
+          <p:nvPr/>
+        </p:nvPicPr>
+        <p:blipFill>
+          <a:blip r:embed="rId2"/>
+          <a:stretch>
+            <a:fillRect/>
+          </a:stretch>
+        </p:blipFill>
+        <p:spPr>
+          <a:xfrm>
+            <a:off x="1089989" y="1564701"/>
+            <a:ext cx="9324546" cy="5245055"/>
+          </a:xfrm>
+          <a:prstGeom prst="rect">
+            <a:avLst/>
+          </a:prstGeom>
+        </p:spPr>
+      </p:pic>
+    </p:spTree>
+    <p:extLst>
+      <p:ext uri="{BB962C8B-B14F-4D97-AF65-F5344CB8AC3E}">
+        <p14:creationId xmlns:p14="http://schemas.microsoft.com/office/powerpoint/2010/main" val="1022211553"/>
+      </p:ext>
+    </p:extLst>
+  </p:cSld>
+  <p:clrMapOvr>
+    <a:masterClrMapping/>
+  </p:clrMapOvr>
+</p:sld>
+</file>
+
 <file path=ppt/slides/slide9.xml><?xml version="1.0" encoding="utf-8"?>
 <p:sld xmlns:a="http://schemas.openxmlformats.org/drawingml/2006/main" xmlns:r="http://schemas.openxmlformats.org/officeDocument/2006/relationships" xmlns:p="http://schemas.openxmlformats.org/presentationml/2006/main">
   <p:cSld>
+    <p:bg>
+      <p:bgPr>
+        <a:solidFill>
+          <a:schemeClr val="bg1"/>
+        </a:solidFill>
+        <a:effectLst/>
+      </p:bgPr>
+    </p:bg>
     <p:spTree>
       <p:nvGrpSpPr>
         <p:cNvPr id="1" name=""/>
@@ -7288,201 +8289,684 @@
       </p:grpSpPr>
       <p:sp>
         <p:nvSpPr>
-          <p:cNvPr id="2" name="Title 1">
+          <p:cNvPr id="17" name="Rectangle 16">
             <a:extLst>
               <a:ext uri="{FF2B5EF4-FFF2-40B4-BE49-F238E27FC236}">
-                <a16:creationId xmlns:a16="http://schemas.microsoft.com/office/drawing/2014/main" id="{4551F24F-CA02-B6B0-8840-A96C19F662A9}"/>
+                <a16:creationId xmlns:a16="http://schemas.microsoft.com/office/drawing/2014/main" id="{0B761509-3B9A-49A6-A84B-C3D86811697D}"/>
+              </a:ext>
+              <a:ext uri="{C183D7F6-B498-43B3-948B-1728B52AA6E4}">
+                <adec:decorative xmlns:adec="http://schemas.microsoft.com/office/drawing/2017/decorative" val="1"/>
               </a:ext>
             </a:extLst>
           </p:cNvPr>
           <p:cNvSpPr>
-            <a:spLocks noGrp="1"/>
-          </p:cNvSpPr>
-          <p:nvPr>
-            <p:ph type="title"/>
-          </p:nvPr>
-        </p:nvSpPr>
-        <p:spPr/>
-        <p:txBody>
-          <a:bodyPr/>
+            <a:spLocks noGrp="1" noRot="1" noChangeAspect="1" noMove="1" noResize="1" noEditPoints="1" noAdjustHandles="1" noChangeArrowheads="1" noChangeShapeType="1" noTextEdit="1"/>
+          </p:cNvSpPr>
+          <p:nvPr>
+            <p:extLst>
+              <p:ext uri="{386F3935-93C4-4BCD-93E2-E3B085C9AB24}">
+                <p16:designElem xmlns:p16="http://schemas.microsoft.com/office/powerpoint/2015/main" val="1"/>
+              </p:ext>
+            </p:extLst>
+          </p:nvPr>
+        </p:nvSpPr>
+        <p:spPr>
+          <a:xfrm>
+            <a:off x="2" y="0"/>
+            <a:ext cx="12191997" cy="6858000"/>
+          </a:xfrm>
+          <a:prstGeom prst="rect">
+            <a:avLst/>
+          </a:prstGeom>
+          <a:solidFill>
+            <a:schemeClr val="tx1"/>
+          </a:solidFill>
+          <a:ln>
+            <a:noFill/>
+          </a:ln>
+        </p:spPr>
+        <p:style>
+          <a:lnRef idx="2">
+            <a:schemeClr val="accent1">
+              <a:shade val="50000"/>
+            </a:schemeClr>
+          </a:lnRef>
+          <a:fillRef idx="1">
+            <a:schemeClr val="accent1"/>
+          </a:fillRef>
+          <a:effectRef idx="0">
+            <a:schemeClr val="accent1"/>
+          </a:effectRef>
+          <a:fontRef idx="minor">
+            <a:schemeClr val="lt1"/>
+          </a:fontRef>
+        </p:style>
+        <p:txBody>
+          <a:bodyPr rtlCol="0" anchor="ctr"/>
           <a:lstStyle/>
           <a:p>
-            <a:r>
-              <a:rPr lang="en-GB" sz="2600" b="1" dirty="0">
-                <a:latin typeface="Aptos"/>
-              </a:rPr>
-              <a:t>UML Models to Date</a:t>
-            </a:r>
-            <a:endParaRPr lang="en-US" dirty="0"/>
-          </a:p>
-        </p:txBody>
-      </p:sp>
-      <p:sp>
-        <p:nvSpPr>
-          <p:cNvPr id="3" name="Content Placeholder 2">
+            <a:pPr algn="ctr"/>
+            <a:endParaRPr lang="en-US"/>
+          </a:p>
+        </p:txBody>
+      </p:sp>
+      <p:sp useBgFill="1">
+        <p:nvSpPr>
+          <p:cNvPr id="18" name="Freeform: Shape 17">
             <a:extLst>
               <a:ext uri="{FF2B5EF4-FFF2-40B4-BE49-F238E27FC236}">
-                <a16:creationId xmlns:a16="http://schemas.microsoft.com/office/drawing/2014/main" id="{B8ACDA42-A564-C1B2-C1D3-7DA48CF991C5}"/>
+                <a16:creationId xmlns:a16="http://schemas.microsoft.com/office/drawing/2014/main" id="{91DE43FD-EB47-414A-B0AB-169B0FFFA527}"/>
+              </a:ext>
+              <a:ext uri="{C183D7F6-B498-43B3-948B-1728B52AA6E4}">
+                <adec:decorative xmlns:adec="http://schemas.microsoft.com/office/drawing/2017/decorative" val="1"/>
               </a:ext>
             </a:extLst>
           </p:cNvPr>
           <p:cNvSpPr>
-            <a:spLocks noGrp="1"/>
-          </p:cNvSpPr>
-          <p:nvPr>
-            <p:ph idx="1"/>
-          </p:nvPr>
-        </p:nvSpPr>
-        <p:spPr/>
-        <p:txBody>
-          <a:bodyPr vert="horz" lIns="91440" tIns="45720" rIns="91440" bIns="45720" rtlCol="0" anchor="t">
-            <a:normAutofit fontScale="92500"/>
+            <a:spLocks noGrp="1" noRot="1" noChangeAspect="1" noMove="1" noResize="1" noEditPoints="1" noAdjustHandles="1" noChangeArrowheads="1" noChangeShapeType="1" noTextEdit="1"/>
+          </p:cNvSpPr>
+          <p:nvPr>
+            <p:extLst>
+              <p:ext uri="{386F3935-93C4-4BCD-93E2-E3B085C9AB24}">
+                <p16:designElem xmlns:p16="http://schemas.microsoft.com/office/powerpoint/2015/main" val="1"/>
+              </p:ext>
+            </p:extLst>
+          </p:nvPr>
+        </p:nvSpPr>
+        <p:spPr>
+          <a:xfrm>
+            <a:off x="0" y="0"/>
+            <a:ext cx="9272922" cy="6858000"/>
+          </a:xfrm>
+          <a:custGeom>
+            <a:avLst/>
+            <a:gdLst>
+              <a:gd name="connsiteX0" fmla="*/ 0 w 9272922"/>
+              <a:gd name="connsiteY0" fmla="*/ 0 h 6858000"/>
+              <a:gd name="connsiteX1" fmla="*/ 1733417 w 9272922"/>
+              <a:gd name="connsiteY1" fmla="*/ 0 h 6858000"/>
+              <a:gd name="connsiteX2" fmla="*/ 3307976 w 9272922"/>
+              <a:gd name="connsiteY2" fmla="*/ 0 h 6858000"/>
+              <a:gd name="connsiteX3" fmla="*/ 8126249 w 9272922"/>
+              <a:gd name="connsiteY3" fmla="*/ 0 h 6858000"/>
+              <a:gd name="connsiteX4" fmla="*/ 8138896 w 9272922"/>
+              <a:gd name="connsiteY4" fmla="*/ 31774 h 6858000"/>
+              <a:gd name="connsiteX5" fmla="*/ 9193904 w 9272922"/>
+              <a:gd name="connsiteY5" fmla="*/ 2682457 h 6858000"/>
+              <a:gd name="connsiteX6" fmla="*/ 9193904 w 9272922"/>
+              <a:gd name="connsiteY6" fmla="*/ 3752208 h 6858000"/>
+              <a:gd name="connsiteX7" fmla="*/ 8036400 w 9272922"/>
+              <a:gd name="connsiteY7" fmla="*/ 6660411 h 6858000"/>
+              <a:gd name="connsiteX8" fmla="*/ 7957938 w 9272922"/>
+              <a:gd name="connsiteY8" fmla="*/ 6857542 h 6858000"/>
+              <a:gd name="connsiteX9" fmla="*/ 3307976 w 9272922"/>
+              <a:gd name="connsiteY9" fmla="*/ 6857542 h 6858000"/>
+              <a:gd name="connsiteX10" fmla="*/ 3307976 w 9272922"/>
+              <a:gd name="connsiteY10" fmla="*/ 6858000 h 6858000"/>
+              <a:gd name="connsiteX11" fmla="*/ 0 w 9272922"/>
+              <a:gd name="connsiteY11" fmla="*/ 6858000 h 6858000"/>
+            </a:gdLst>
+            <a:ahLst/>
+            <a:cxnLst>
+              <a:cxn ang="0">
+                <a:pos x="connsiteX0" y="connsiteY0"/>
+              </a:cxn>
+              <a:cxn ang="0">
+                <a:pos x="connsiteX1" y="connsiteY1"/>
+              </a:cxn>
+              <a:cxn ang="0">
+                <a:pos x="connsiteX2" y="connsiteY2"/>
+              </a:cxn>
+              <a:cxn ang="0">
+                <a:pos x="connsiteX3" y="connsiteY3"/>
+              </a:cxn>
+              <a:cxn ang="0">
+                <a:pos x="connsiteX4" y="connsiteY4"/>
+              </a:cxn>
+              <a:cxn ang="0">
+                <a:pos x="connsiteX5" y="connsiteY5"/>
+              </a:cxn>
+              <a:cxn ang="0">
+                <a:pos x="connsiteX6" y="connsiteY6"/>
+              </a:cxn>
+              <a:cxn ang="0">
+                <a:pos x="connsiteX7" y="connsiteY7"/>
+              </a:cxn>
+              <a:cxn ang="0">
+                <a:pos x="connsiteX8" y="connsiteY8"/>
+              </a:cxn>
+              <a:cxn ang="0">
+                <a:pos x="connsiteX9" y="connsiteY9"/>
+              </a:cxn>
+              <a:cxn ang="0">
+                <a:pos x="connsiteX10" y="connsiteY10"/>
+              </a:cxn>
+              <a:cxn ang="0">
+                <a:pos x="connsiteX11" y="connsiteY11"/>
+              </a:cxn>
+            </a:cxnLst>
+            <a:rect l="l" t="t" r="r" b="b"/>
+            <a:pathLst>
+              <a:path w="9272922" h="6858000">
+                <a:moveTo>
+                  <a:pt x="0" y="0"/>
+                </a:moveTo>
+                <a:lnTo>
+                  <a:pt x="1733417" y="0"/>
+                </a:lnTo>
+                <a:lnTo>
+                  <a:pt x="3307976" y="0"/>
+                </a:lnTo>
+                <a:lnTo>
+                  <a:pt x="8126249" y="0"/>
+                </a:lnTo>
+                <a:lnTo>
+                  <a:pt x="8138896" y="31774"/>
+                </a:lnTo>
+                <a:cubicBezTo>
+                  <a:pt x="9193904" y="2682457"/>
+                  <a:pt x="9193904" y="2682457"/>
+                  <a:pt x="9193904" y="2682457"/>
+                </a:cubicBezTo>
+                <a:cubicBezTo>
+                  <a:pt x="9299262" y="2988100"/>
+                  <a:pt x="9299262" y="3446565"/>
+                  <a:pt x="9193904" y="3752208"/>
+                </a:cubicBezTo>
+                <a:cubicBezTo>
+                  <a:pt x="8709916" y="4968215"/>
+                  <a:pt x="8331802" y="5918220"/>
+                  <a:pt x="8036400" y="6660411"/>
+                </a:cubicBezTo>
+                <a:lnTo>
+                  <a:pt x="7957938" y="6857542"/>
+                </a:lnTo>
+                <a:lnTo>
+                  <a:pt x="3307976" y="6857542"/>
+                </a:lnTo>
+                <a:lnTo>
+                  <a:pt x="3307976" y="6858000"/>
+                </a:lnTo>
+                <a:lnTo>
+                  <a:pt x="0" y="6858000"/>
+                </a:lnTo>
+                <a:close/>
+              </a:path>
+            </a:pathLst>
+          </a:custGeom>
+          <a:ln>
+            <a:noFill/>
+          </a:ln>
+        </p:spPr>
+        <p:style>
+          <a:lnRef idx="2">
+            <a:schemeClr val="accent1">
+              <a:shade val="50000"/>
+            </a:schemeClr>
+          </a:lnRef>
+          <a:fillRef idx="1">
+            <a:schemeClr val="accent1"/>
+          </a:fillRef>
+          <a:effectRef idx="0">
+            <a:schemeClr val="accent1"/>
+          </a:effectRef>
+          <a:fontRef idx="minor">
+            <a:schemeClr val="lt1"/>
+          </a:fontRef>
+        </p:style>
+        <p:txBody>
+          <a:bodyPr wrap="square" rtlCol="0" anchor="ctr">
+            <a:noAutofit/>
           </a:bodyPr>
           <a:lstStyle/>
           <a:p>
-            <a:pPr marL="0" indent="0">
-              <a:buNone/>
-            </a:pPr>
-            <a:endParaRPr lang="en-GB" b="1" dirty="0"/>
-          </a:p>
-          <a:p>
-            <a:r>
-              <a:rPr lang="en-GB" b="1" dirty="0">
-                <a:ea typeface="+mn-lt"/>
-                <a:cs typeface="+mn-lt"/>
-              </a:rPr>
-              <a:t>Purpose</a:t>
-            </a:r>
-            <a:r>
-              <a:rPr lang="en-GB" dirty="0">
-                <a:ea typeface="+mn-lt"/>
-                <a:cs typeface="+mn-lt"/>
-              </a:rPr>
-              <a:t>: Show your technical understanding of the project and how you've structured it.</a:t>
-            </a:r>
-            <a:endParaRPr lang="en-GB" dirty="0"/>
-          </a:p>
-          <a:p>
-            <a:r>
-              <a:rPr lang="en-GB" b="1" dirty="0">
-                <a:ea typeface="+mn-lt"/>
-                <a:cs typeface="+mn-lt"/>
-              </a:rPr>
-              <a:t>Key Points</a:t>
-            </a:r>
-            <a:r>
-              <a:rPr lang="en-GB" dirty="0">
-                <a:ea typeface="+mn-lt"/>
-                <a:cs typeface="+mn-lt"/>
-              </a:rPr>
-              <a:t>:</a:t>
-            </a:r>
-            <a:endParaRPr lang="en-GB" dirty="0"/>
-          </a:p>
-          <a:p>
-            <a:pPr lvl="1"/>
-            <a:r>
-              <a:rPr lang="en-GB" b="1" dirty="0">
-                <a:ea typeface="+mn-lt"/>
-                <a:cs typeface="+mn-lt"/>
-              </a:rPr>
-              <a:t>UML Diagrams</a:t>
-            </a:r>
-            <a:r>
-              <a:rPr lang="en-GB" dirty="0">
-                <a:ea typeface="+mn-lt"/>
-                <a:cs typeface="+mn-lt"/>
-              </a:rPr>
-              <a:t>: Share your </a:t>
-            </a:r>
-            <a:r>
-              <a:rPr lang="en-GB" b="1" dirty="0">
-                <a:ea typeface="+mn-lt"/>
-                <a:cs typeface="+mn-lt"/>
-              </a:rPr>
-              <a:t>Use Case Diagram</a:t>
-            </a:r>
-            <a:r>
-              <a:rPr lang="en-GB" dirty="0">
-                <a:ea typeface="+mn-lt"/>
-                <a:cs typeface="+mn-lt"/>
-              </a:rPr>
-              <a:t>, </a:t>
-            </a:r>
-            <a:r>
-              <a:rPr lang="en-GB" b="1" dirty="0">
-                <a:ea typeface="+mn-lt"/>
-                <a:cs typeface="+mn-lt"/>
-              </a:rPr>
-              <a:t>Class Diagram</a:t>
-            </a:r>
-            <a:r>
-              <a:rPr lang="en-GB" dirty="0">
-                <a:ea typeface="+mn-lt"/>
-                <a:cs typeface="+mn-lt"/>
-              </a:rPr>
-              <a:t>, and any </a:t>
-            </a:r>
-            <a:r>
-              <a:rPr lang="en-GB" b="1" dirty="0">
-                <a:ea typeface="+mn-lt"/>
-                <a:cs typeface="+mn-lt"/>
-              </a:rPr>
-              <a:t>Interaction Diagrams</a:t>
-            </a:r>
-            <a:r>
-              <a:rPr lang="en-GB" dirty="0">
-                <a:ea typeface="+mn-lt"/>
-                <a:cs typeface="+mn-lt"/>
-              </a:rPr>
-              <a:t> you have worked on so far.</a:t>
-            </a:r>
-            <a:endParaRPr lang="en-GB" dirty="0"/>
-          </a:p>
-          <a:p>
-            <a:pPr lvl="1"/>
-            <a:r>
-              <a:rPr lang="en-GB" b="1" dirty="0">
-                <a:ea typeface="+mn-lt"/>
-                <a:cs typeface="+mn-lt"/>
-              </a:rPr>
-              <a:t>Explanation</a:t>
-            </a:r>
-            <a:r>
-              <a:rPr lang="en-GB" dirty="0">
-                <a:ea typeface="+mn-lt"/>
-                <a:cs typeface="+mn-lt"/>
-              </a:rPr>
-              <a:t>: Briefly explain the key elements of the diagrams. For example, for the Use Case Diagram, show how the user interacts with the system.</a:t>
-            </a:r>
-            <a:endParaRPr lang="en-GB" dirty="0"/>
-          </a:p>
-          <a:p>
-            <a:r>
-              <a:rPr lang="en-GB" b="1" dirty="0">
-                <a:ea typeface="+mn-lt"/>
-                <a:cs typeface="+mn-lt"/>
-              </a:rPr>
-              <a:t>Tip</a:t>
-            </a:r>
-            <a:r>
-              <a:rPr lang="en-GB" dirty="0">
-                <a:ea typeface="+mn-lt"/>
-                <a:cs typeface="+mn-lt"/>
-              </a:rPr>
-              <a:t>: Make sure your UML diagrams are clear and easy to follow. Don’t just show the diagrams – describe their purpose and significance.</a:t>
-            </a:r>
-            <a:endParaRPr lang="en-GB" dirty="0"/>
-          </a:p>
-          <a:p>
-            <a:endParaRPr lang="en-GB" dirty="0"/>
-          </a:p>
-        </p:txBody>
-      </p:sp>
+            <a:pPr algn="ctr"/>
+            <a:endParaRPr lang="en-US"/>
+          </a:p>
+        </p:txBody>
+      </p:sp>
+      <p:pic>
+        <p:nvPicPr>
+          <p:cNvPr id="4" name="Content Placeholder 3" descr="A screenshot of a computer&#10;&#10;Description automatically generated">
+            <a:extLst>
+              <a:ext uri="{FF2B5EF4-FFF2-40B4-BE49-F238E27FC236}">
+                <a16:creationId xmlns:a16="http://schemas.microsoft.com/office/drawing/2014/main" id="{7F58928B-5609-C4CB-1A0B-C37CEA45B38F}"/>
+              </a:ext>
+            </a:extLst>
+          </p:cNvPr>
+          <p:cNvPicPr>
+            <a:picLocks noGrp="1" noChangeAspect="1"/>
+          </p:cNvPicPr>
+          <p:nvPr>
+            <p:ph idx="1"/>
+          </p:nvPr>
+        </p:nvPicPr>
+        <p:blipFill>
+          <a:blip r:embed="rId2"/>
+          <a:stretch>
+            <a:fillRect/>
+          </a:stretch>
+        </p:blipFill>
+        <p:spPr>
+          <a:xfrm>
+            <a:off x="2035562" y="93361"/>
+            <a:ext cx="6944809" cy="6858000"/>
+          </a:xfrm>
+          <a:prstGeom prst="rect">
+            <a:avLst/>
+          </a:prstGeom>
+        </p:spPr>
+      </p:pic>
+      <p:grpSp>
+        <p:nvGrpSpPr>
+          <p:cNvPr id="19" name="Group 18">
+            <a:extLst>
+              <a:ext uri="{FF2B5EF4-FFF2-40B4-BE49-F238E27FC236}">
+                <a16:creationId xmlns:a16="http://schemas.microsoft.com/office/drawing/2014/main" id="{58495BCC-CE77-4CC2-952E-846F41119FD5}"/>
+              </a:ext>
+              <a:ext uri="{C183D7F6-B498-43B3-948B-1728B52AA6E4}">
+                <adec:decorative xmlns:adec="http://schemas.microsoft.com/office/drawing/2017/decorative" val="1"/>
+              </a:ext>
+            </a:extLst>
+          </p:cNvPr>
+          <p:cNvGrpSpPr>
+            <a:grpSpLocks noGrp="1" noUngrp="1" noRot="1" noChangeAspect="1" noMove="1" noResize="1"/>
+          </p:cNvGrpSpPr>
+          <p:nvPr>
+            <p:extLst>
+              <p:ext uri="{386F3935-93C4-4BCD-93E2-E3B085C9AB24}">
+                <p16:designElem xmlns:p16="http://schemas.microsoft.com/office/powerpoint/2015/main" val="1"/>
+              </p:ext>
+            </p:extLst>
+          </p:nvPr>
+        </p:nvGrpSpPr>
+        <p:grpSpPr>
+          <a:xfrm>
+            <a:off x="9160561" y="1075188"/>
+            <a:ext cx="1562267" cy="1172973"/>
+            <a:chOff x="9160561" y="1075188"/>
+            <a:chExt cx="1562267" cy="1172973"/>
+          </a:xfrm>
+        </p:grpSpPr>
+        <p:sp>
+          <p:nvSpPr>
+            <p:cNvPr id="14" name="Freeform 5">
+              <a:extLst>
+                <a:ext uri="{FF2B5EF4-FFF2-40B4-BE49-F238E27FC236}">
+                  <a16:creationId xmlns:a16="http://schemas.microsoft.com/office/drawing/2014/main" id="{1B42538B-E30F-4967-A6C1-8EBA775F4D60}"/>
+                </a:ext>
+                <a:ext uri="{C183D7F6-B498-43B3-948B-1728B52AA6E4}">
+                  <adec:decorative xmlns:adec="http://schemas.microsoft.com/office/drawing/2017/decorative" val="1"/>
+                </a:ext>
+              </a:extLst>
+            </p:cNvPr>
+            <p:cNvSpPr>
+              <a:spLocks/>
+            </p:cNvSpPr>
+            <p:nvPr>
+              <p:extLst>
+                <p:ext uri="{386F3935-93C4-4BCD-93E2-E3B085C9AB24}">
+                  <p16:designElem xmlns:p16="http://schemas.microsoft.com/office/powerpoint/2015/main" val="1"/>
+                </p:ext>
+              </p:extLst>
+            </p:nvPr>
+          </p:nvSpPr>
+          <p:spPr bwMode="auto">
+            <a:xfrm>
+              <a:off x="9160561" y="1423846"/>
+              <a:ext cx="935037" cy="824315"/>
+            </a:xfrm>
+            <a:custGeom>
+              <a:avLst/>
+              <a:gdLst>
+                <a:gd name="T0" fmla="*/ 225 w 785"/>
+                <a:gd name="T1" fmla="*/ 692 h 692"/>
+                <a:gd name="T2" fmla="*/ 177 w 785"/>
+                <a:gd name="T3" fmla="*/ 665 h 692"/>
+                <a:gd name="T4" fmla="*/ 9 w 785"/>
+                <a:gd name="T5" fmla="*/ 374 h 692"/>
+                <a:gd name="T6" fmla="*/ 9 w 785"/>
+                <a:gd name="T7" fmla="*/ 318 h 692"/>
+                <a:gd name="T8" fmla="*/ 177 w 785"/>
+                <a:gd name="T9" fmla="*/ 27 h 692"/>
+                <a:gd name="T10" fmla="*/ 225 w 785"/>
+                <a:gd name="T11" fmla="*/ 0 h 692"/>
+                <a:gd name="T12" fmla="*/ 561 w 785"/>
+                <a:gd name="T13" fmla="*/ 0 h 692"/>
+                <a:gd name="T14" fmla="*/ 609 w 785"/>
+                <a:gd name="T15" fmla="*/ 27 h 692"/>
+                <a:gd name="T16" fmla="*/ 777 w 785"/>
+                <a:gd name="T17" fmla="*/ 318 h 692"/>
+                <a:gd name="T18" fmla="*/ 777 w 785"/>
+                <a:gd name="T19" fmla="*/ 374 h 692"/>
+                <a:gd name="T20" fmla="*/ 609 w 785"/>
+                <a:gd name="T21" fmla="*/ 665 h 692"/>
+                <a:gd name="T22" fmla="*/ 561 w 785"/>
+                <a:gd name="T23" fmla="*/ 692 h 692"/>
+                <a:gd name="T24" fmla="*/ 225 w 785"/>
+                <a:gd name="T25" fmla="*/ 692 h 692"/>
+              </a:gdLst>
+              <a:ahLst/>
+              <a:cxnLst>
+                <a:cxn ang="0">
+                  <a:pos x="T0" y="T1"/>
+                </a:cxn>
+                <a:cxn ang="0">
+                  <a:pos x="T2" y="T3"/>
+                </a:cxn>
+                <a:cxn ang="0">
+                  <a:pos x="T4" y="T5"/>
+                </a:cxn>
+                <a:cxn ang="0">
+                  <a:pos x="T6" y="T7"/>
+                </a:cxn>
+                <a:cxn ang="0">
+                  <a:pos x="T8" y="T9"/>
+                </a:cxn>
+                <a:cxn ang="0">
+                  <a:pos x="T10" y="T11"/>
+                </a:cxn>
+                <a:cxn ang="0">
+                  <a:pos x="T12" y="T13"/>
+                </a:cxn>
+                <a:cxn ang="0">
+                  <a:pos x="T14" y="T15"/>
+                </a:cxn>
+                <a:cxn ang="0">
+                  <a:pos x="T16" y="T17"/>
+                </a:cxn>
+                <a:cxn ang="0">
+                  <a:pos x="T18" y="T19"/>
+                </a:cxn>
+                <a:cxn ang="0">
+                  <a:pos x="T20" y="T21"/>
+                </a:cxn>
+                <a:cxn ang="0">
+                  <a:pos x="T22" y="T23"/>
+                </a:cxn>
+                <a:cxn ang="0">
+                  <a:pos x="T24" y="T25"/>
+                </a:cxn>
+              </a:cxnLst>
+              <a:rect l="0" t="0" r="r" b="b"/>
+              <a:pathLst>
+                <a:path w="785" h="692">
+                  <a:moveTo>
+                    <a:pt x="225" y="692"/>
+                  </a:moveTo>
+                  <a:cubicBezTo>
+                    <a:pt x="207" y="692"/>
+                    <a:pt x="185" y="680"/>
+                    <a:pt x="177" y="665"/>
+                  </a:cubicBezTo>
+                  <a:cubicBezTo>
+                    <a:pt x="9" y="374"/>
+                    <a:pt x="9" y="374"/>
+                    <a:pt x="9" y="374"/>
+                  </a:cubicBezTo>
+                  <a:cubicBezTo>
+                    <a:pt x="0" y="358"/>
+                    <a:pt x="0" y="334"/>
+                    <a:pt x="9" y="318"/>
+                  </a:cubicBezTo>
+                  <a:cubicBezTo>
+                    <a:pt x="177" y="27"/>
+                    <a:pt x="177" y="27"/>
+                    <a:pt x="177" y="27"/>
+                  </a:cubicBezTo>
+                  <a:cubicBezTo>
+                    <a:pt x="185" y="12"/>
+                    <a:pt x="207" y="0"/>
+                    <a:pt x="225" y="0"/>
+                  </a:cubicBezTo>
+                  <a:cubicBezTo>
+                    <a:pt x="561" y="0"/>
+                    <a:pt x="561" y="0"/>
+                    <a:pt x="561" y="0"/>
+                  </a:cubicBezTo>
+                  <a:cubicBezTo>
+                    <a:pt x="578" y="0"/>
+                    <a:pt x="600" y="12"/>
+                    <a:pt x="609" y="27"/>
+                  </a:cubicBezTo>
+                  <a:cubicBezTo>
+                    <a:pt x="777" y="318"/>
+                    <a:pt x="777" y="318"/>
+                    <a:pt x="777" y="318"/>
+                  </a:cubicBezTo>
+                  <a:cubicBezTo>
+                    <a:pt x="785" y="334"/>
+                    <a:pt x="785" y="358"/>
+                    <a:pt x="777" y="374"/>
+                  </a:cubicBezTo>
+                  <a:cubicBezTo>
+                    <a:pt x="609" y="665"/>
+                    <a:pt x="609" y="665"/>
+                    <a:pt x="609" y="665"/>
+                  </a:cubicBezTo>
+                  <a:cubicBezTo>
+                    <a:pt x="600" y="680"/>
+                    <a:pt x="578" y="692"/>
+                    <a:pt x="561" y="692"/>
+                  </a:cubicBezTo>
+                  <a:lnTo>
+                    <a:pt x="225" y="692"/>
+                  </a:lnTo>
+                  <a:close/>
+                </a:path>
+              </a:pathLst>
+            </a:custGeom>
+            <a:noFill/>
+            <a:ln w="28575" cmpd="sng">
+              <a:solidFill>
+                <a:schemeClr val="bg1"/>
+              </a:solidFill>
+            </a:ln>
+          </p:spPr>
+          <p:txBody>
+            <a:bodyPr vert="horz" wrap="square" lIns="91440" tIns="45720" rIns="91440" bIns="45720" numCol="1" anchor="t" anchorCtr="0" compatLnSpc="1">
+              <a:prstTxWarp prst="textNoShape">
+                <a:avLst/>
+              </a:prstTxWarp>
+            </a:bodyPr>
+            <a:lstStyle/>
+            <a:p>
+              <a:endParaRPr lang="en-US"/>
+            </a:p>
+          </p:txBody>
+        </p:sp>
+        <p:sp>
+          <p:nvSpPr>
+            <p:cNvPr id="20" name="Freeform 5">
+              <a:extLst>
+                <a:ext uri="{FF2B5EF4-FFF2-40B4-BE49-F238E27FC236}">
+                  <a16:creationId xmlns:a16="http://schemas.microsoft.com/office/drawing/2014/main" id="{9A6BD9AC-4DE7-4B20-8547-4E3B375C21F7}"/>
+                </a:ext>
+                <a:ext uri="{C183D7F6-B498-43B3-948B-1728B52AA6E4}">
+                  <adec:decorative xmlns:adec="http://schemas.microsoft.com/office/drawing/2017/decorative" val="1"/>
+                </a:ext>
+              </a:extLst>
+            </p:cNvPr>
+            <p:cNvSpPr>
+              <a:spLocks/>
+            </p:cNvSpPr>
+            <p:nvPr>
+              <p:extLst>
+                <p:ext uri="{386F3935-93C4-4BCD-93E2-E3B085C9AB24}">
+                  <p16:designElem xmlns:p16="http://schemas.microsoft.com/office/powerpoint/2015/main" val="1"/>
+                </p:ext>
+              </p:extLst>
+            </p:nvPr>
+          </p:nvSpPr>
+          <p:spPr bwMode="auto">
+            <a:xfrm>
+              <a:off x="9960661" y="1075188"/>
+              <a:ext cx="762167" cy="671915"/>
+            </a:xfrm>
+            <a:custGeom>
+              <a:avLst/>
+              <a:gdLst>
+                <a:gd name="T0" fmla="*/ 225 w 785"/>
+                <a:gd name="T1" fmla="*/ 692 h 692"/>
+                <a:gd name="T2" fmla="*/ 177 w 785"/>
+                <a:gd name="T3" fmla="*/ 665 h 692"/>
+                <a:gd name="T4" fmla="*/ 9 w 785"/>
+                <a:gd name="T5" fmla="*/ 374 h 692"/>
+                <a:gd name="T6" fmla="*/ 9 w 785"/>
+                <a:gd name="T7" fmla="*/ 318 h 692"/>
+                <a:gd name="T8" fmla="*/ 177 w 785"/>
+                <a:gd name="T9" fmla="*/ 27 h 692"/>
+                <a:gd name="T10" fmla="*/ 225 w 785"/>
+                <a:gd name="T11" fmla="*/ 0 h 692"/>
+                <a:gd name="T12" fmla="*/ 561 w 785"/>
+                <a:gd name="T13" fmla="*/ 0 h 692"/>
+                <a:gd name="T14" fmla="*/ 609 w 785"/>
+                <a:gd name="T15" fmla="*/ 27 h 692"/>
+                <a:gd name="T16" fmla="*/ 777 w 785"/>
+                <a:gd name="T17" fmla="*/ 318 h 692"/>
+                <a:gd name="T18" fmla="*/ 777 w 785"/>
+                <a:gd name="T19" fmla="*/ 374 h 692"/>
+                <a:gd name="T20" fmla="*/ 609 w 785"/>
+                <a:gd name="T21" fmla="*/ 665 h 692"/>
+                <a:gd name="T22" fmla="*/ 561 w 785"/>
+                <a:gd name="T23" fmla="*/ 692 h 692"/>
+                <a:gd name="T24" fmla="*/ 225 w 785"/>
+                <a:gd name="T25" fmla="*/ 692 h 692"/>
+              </a:gdLst>
+              <a:ahLst/>
+              <a:cxnLst>
+                <a:cxn ang="0">
+                  <a:pos x="T0" y="T1"/>
+                </a:cxn>
+                <a:cxn ang="0">
+                  <a:pos x="T2" y="T3"/>
+                </a:cxn>
+                <a:cxn ang="0">
+                  <a:pos x="T4" y="T5"/>
+                </a:cxn>
+                <a:cxn ang="0">
+                  <a:pos x="T6" y="T7"/>
+                </a:cxn>
+                <a:cxn ang="0">
+                  <a:pos x="T8" y="T9"/>
+                </a:cxn>
+                <a:cxn ang="0">
+                  <a:pos x="T10" y="T11"/>
+                </a:cxn>
+                <a:cxn ang="0">
+                  <a:pos x="T12" y="T13"/>
+                </a:cxn>
+                <a:cxn ang="0">
+                  <a:pos x="T14" y="T15"/>
+                </a:cxn>
+                <a:cxn ang="0">
+                  <a:pos x="T16" y="T17"/>
+                </a:cxn>
+                <a:cxn ang="0">
+                  <a:pos x="T18" y="T19"/>
+                </a:cxn>
+                <a:cxn ang="0">
+                  <a:pos x="T20" y="T21"/>
+                </a:cxn>
+                <a:cxn ang="0">
+                  <a:pos x="T22" y="T23"/>
+                </a:cxn>
+                <a:cxn ang="0">
+                  <a:pos x="T24" y="T25"/>
+                </a:cxn>
+              </a:cxnLst>
+              <a:rect l="0" t="0" r="r" b="b"/>
+              <a:pathLst>
+                <a:path w="785" h="692">
+                  <a:moveTo>
+                    <a:pt x="225" y="692"/>
+                  </a:moveTo>
+                  <a:cubicBezTo>
+                    <a:pt x="207" y="692"/>
+                    <a:pt x="185" y="680"/>
+                    <a:pt x="177" y="665"/>
+                  </a:cubicBezTo>
+                  <a:cubicBezTo>
+                    <a:pt x="9" y="374"/>
+                    <a:pt x="9" y="374"/>
+                    <a:pt x="9" y="374"/>
+                  </a:cubicBezTo>
+                  <a:cubicBezTo>
+                    <a:pt x="0" y="358"/>
+                    <a:pt x="0" y="334"/>
+                    <a:pt x="9" y="318"/>
+                  </a:cubicBezTo>
+                  <a:cubicBezTo>
+                    <a:pt x="177" y="27"/>
+                    <a:pt x="177" y="27"/>
+                    <a:pt x="177" y="27"/>
+                  </a:cubicBezTo>
+                  <a:cubicBezTo>
+                    <a:pt x="185" y="12"/>
+                    <a:pt x="207" y="0"/>
+                    <a:pt x="225" y="0"/>
+                  </a:cubicBezTo>
+                  <a:cubicBezTo>
+                    <a:pt x="561" y="0"/>
+                    <a:pt x="561" y="0"/>
+                    <a:pt x="561" y="0"/>
+                  </a:cubicBezTo>
+                  <a:cubicBezTo>
+                    <a:pt x="578" y="0"/>
+                    <a:pt x="600" y="12"/>
+                    <a:pt x="609" y="27"/>
+                  </a:cubicBezTo>
+                  <a:cubicBezTo>
+                    <a:pt x="777" y="318"/>
+                    <a:pt x="777" y="318"/>
+                    <a:pt x="777" y="318"/>
+                  </a:cubicBezTo>
+                  <a:cubicBezTo>
+                    <a:pt x="785" y="334"/>
+                    <a:pt x="785" y="358"/>
+                    <a:pt x="777" y="374"/>
+                  </a:cubicBezTo>
+                  <a:cubicBezTo>
+                    <a:pt x="609" y="665"/>
+                    <a:pt x="609" y="665"/>
+                    <a:pt x="609" y="665"/>
+                  </a:cubicBezTo>
+                  <a:cubicBezTo>
+                    <a:pt x="600" y="680"/>
+                    <a:pt x="578" y="692"/>
+                    <a:pt x="561" y="692"/>
+                  </a:cubicBezTo>
+                  <a:lnTo>
+                    <a:pt x="225" y="692"/>
+                  </a:lnTo>
+                  <a:close/>
+                </a:path>
+              </a:pathLst>
+            </a:custGeom>
+            <a:noFill/>
+            <a:ln w="28575" cmpd="sng">
+              <a:solidFill>
+                <a:schemeClr val="bg1"/>
+              </a:solidFill>
+            </a:ln>
+          </p:spPr>
+          <p:txBody>
+            <a:bodyPr vert="horz" wrap="square" lIns="91440" tIns="45720" rIns="91440" bIns="45720" numCol="1" anchor="t" anchorCtr="0" compatLnSpc="1">
+              <a:prstTxWarp prst="textNoShape">
+                <a:avLst/>
+              </a:prstTxWarp>
+            </a:bodyPr>
+            <a:lstStyle/>
+            <a:p>
+              <a:endParaRPr lang="en-US"/>
+            </a:p>
+          </p:txBody>
+        </p:sp>
+      </p:grpSp>
     </p:spTree>
     <p:extLst>
       <p:ext uri="{BB962C8B-B14F-4D97-AF65-F5344CB8AC3E}">
-        <p14:creationId xmlns:p14="http://schemas.microsoft.com/office/powerpoint/2010/main" val="3435841207"/>
+        <p14:creationId xmlns:p14="http://schemas.microsoft.com/office/powerpoint/2010/main" val="1474493564"/>
       </p:ext>
     </p:extLst>
   </p:cSld>
